--- a/DX12_PROJECT/Presentation/DirectX12_CH8_조명.pptx
+++ b/DX12_PROJECT/Presentation/DirectX12_CH8_조명.pptx
@@ -5,10 +5,10 @@
     <p:sldMasterId id="2147483768" r:id="rId1"/>
   </p:sldMasterIdLst>
   <p:notesMasterIdLst>
-    <p:notesMasterId r:id="rId25"/>
+    <p:notesMasterId r:id="rId30"/>
   </p:notesMasterIdLst>
   <p:handoutMasterIdLst>
-    <p:handoutMasterId r:id="rId26"/>
+    <p:handoutMasterId r:id="rId31"/>
   </p:handoutMasterIdLst>
   <p:sldIdLst>
     <p:sldId id="386" r:id="rId2"/>
@@ -32,8 +32,13 @@
     <p:sldId id="466" r:id="rId20"/>
     <p:sldId id="467" r:id="rId21"/>
     <p:sldId id="468" r:id="rId22"/>
-    <p:sldId id="421" r:id="rId23"/>
-    <p:sldId id="403" r:id="rId24"/>
+    <p:sldId id="469" r:id="rId23"/>
+    <p:sldId id="471" r:id="rId24"/>
+    <p:sldId id="472" r:id="rId25"/>
+    <p:sldId id="473" r:id="rId26"/>
+    <p:sldId id="474" r:id="rId27"/>
+    <p:sldId id="421" r:id="rId28"/>
+    <p:sldId id="403" r:id="rId29"/>
   </p:sldIdLst>
   <p:sldSz cx="9144000" cy="6858000" type="screen4x3"/>
   <p:notesSz cx="6797675" cy="9928225"/>
@@ -260,7 +265,7 @@
             <a:fld id="{9382D87B-2356-4237-AF05-310594507DF6}" type="datetimeFigureOut">
               <a:rPr lang="ko-KR" altLang="en-US" smtClean="0"/>
               <a:pPr/>
-              <a:t>2017-08-03</a:t>
+              <a:t>2017-09-07</a:t>
             </a:fld>
             <a:endParaRPr lang="ko-KR" altLang="en-US"/>
           </a:p>
@@ -427,7 +432,7 @@
             <a:fld id="{858CD7D1-BCE3-4E89-95C1-72AD8E063EAC}" type="datetimeFigureOut">
               <a:rPr lang="ko-KR" altLang="en-US" smtClean="0"/>
               <a:pPr/>
-              <a:t>2017-08-03</a:t>
+              <a:t>2017-09-07</a:t>
             </a:fld>
             <a:endParaRPr lang="ko-KR" altLang="en-US"/>
           </a:p>
@@ -869,7 +874,7 @@
             <a:fld id="{E26B52F4-A5D3-4AEB-8D4A-D2A4694ABAA0}" type="slidenum">
               <a:rPr lang="ko-KR" altLang="en-US" smtClean="0"/>
               <a:pPr/>
-              <a:t>22</a:t>
+              <a:t>27</a:t>
             </a:fld>
             <a:endParaRPr lang="ko-KR" altLang="en-US"/>
           </a:p>
@@ -5078,8 +5083,8 @@
           <a:chExt cx="0" cy="0"/>
         </a:xfrm>
       </p:grpSpPr>
-      <mc:AlternateContent xmlns:mc="http://schemas.openxmlformats.org/markup-compatibility/2006">
-        <mc:Choice xmlns:a14="http://schemas.microsoft.com/office/drawing/2010/main" Requires="a14">
+      <mc:AlternateContent xmlns:mc="http://schemas.openxmlformats.org/markup-compatibility/2006" xmlns:a14="http://schemas.microsoft.com/office/drawing/2010/main">
+        <mc:Choice Requires="a14">
           <p:sp>
             <p:nvSpPr>
               <p:cNvPr id="2" name="내용 개체 틀 1"/>
@@ -5497,7 +5502,7 @@
             </p:txBody>
           </p:sp>
         </mc:Choice>
-        <mc:Fallback>
+        <mc:Fallback xmlns="">
           <p:sp>
             <p:nvSpPr>
               <p:cNvPr id="2" name="내용 개체 틀 1"/>
@@ -6183,8 +6188,8 @@
           <a:chExt cx="0" cy="0"/>
         </a:xfrm>
       </p:grpSpPr>
-      <mc:AlternateContent xmlns:mc="http://schemas.openxmlformats.org/markup-compatibility/2006">
-        <mc:Choice xmlns:a14="http://schemas.microsoft.com/office/drawing/2010/main" Requires="a14">
+      <mc:AlternateContent xmlns:mc="http://schemas.openxmlformats.org/markup-compatibility/2006" xmlns:a14="http://schemas.microsoft.com/office/drawing/2010/main">
+        <mc:Choice Requires="a14">
           <p:sp>
             <p:nvSpPr>
               <p:cNvPr id="2" name="내용 개체 틀 1"/>
@@ -6345,7 +6350,7 @@
             </p:txBody>
           </p:sp>
         </mc:Choice>
-        <mc:Fallback>
+        <mc:Fallback xmlns="">
           <p:sp>
             <p:nvSpPr>
               <p:cNvPr id="2" name="내용 개체 틀 1"/>
@@ -6559,8 +6564,8 @@
           <a:chExt cx="0" cy="0"/>
         </a:xfrm>
       </p:grpSpPr>
-      <mc:AlternateContent xmlns:mc="http://schemas.openxmlformats.org/markup-compatibility/2006">
-        <mc:Choice xmlns:a14="http://schemas.microsoft.com/office/drawing/2010/main" Requires="a14">
+      <mc:AlternateContent xmlns:mc="http://schemas.openxmlformats.org/markup-compatibility/2006" xmlns:a14="http://schemas.microsoft.com/office/drawing/2010/main">
+        <mc:Choice Requires="a14">
           <p:sp>
             <p:nvSpPr>
               <p:cNvPr id="2" name="내용 개체 틀 1"/>
@@ -7327,7 +7332,7 @@
             </p:txBody>
           </p:sp>
         </mc:Choice>
-        <mc:Fallback>
+        <mc:Fallback xmlns="">
           <p:sp>
             <p:nvSpPr>
               <p:cNvPr id="2" name="내용 개체 틀 1"/>
@@ -7559,8 +7564,8 @@
           <a:chExt cx="0" cy="0"/>
         </a:xfrm>
       </p:grpSpPr>
-      <mc:AlternateContent xmlns:mc="http://schemas.openxmlformats.org/markup-compatibility/2006">
-        <mc:Choice xmlns:a14="http://schemas.microsoft.com/office/drawing/2010/main" Requires="a14">
+      <mc:AlternateContent xmlns:mc="http://schemas.openxmlformats.org/markup-compatibility/2006" xmlns:a14="http://schemas.microsoft.com/office/drawing/2010/main">
+        <mc:Choice Requires="a14">
           <p:sp>
             <p:nvSpPr>
               <p:cNvPr id="2" name="내용 개체 틀 1"/>
@@ -7767,11 +7772,7 @@
                 <a:pPr lvl="1"/>
                 <a:r>
                   <a:rPr lang="ko-KR" altLang="en-US" dirty="0" smtClean="0"/>
-                  <a:t>빛이 </a:t>
-                </a:r>
-                <a:r>
-                  <a:rPr lang="ko-KR" altLang="en-US" dirty="0" smtClean="0"/>
-                  <a:t>표면의 뒷면을 비추는 상황을 처리 하기 위해</a:t>
+                  <a:t>빛이 표면의 뒷면을 비추는 상황을 처리 하기 위해</a:t>
                 </a:r>
                 <a:r>
                   <a:rPr lang="en-US" altLang="ko-KR" dirty="0" smtClean="0"/>
@@ -7998,7 +7999,7 @@
             </p:txBody>
           </p:sp>
         </mc:Choice>
-        <mc:Fallback>
+        <mc:Fallback xmlns="">
           <p:sp>
             <p:nvSpPr>
               <p:cNvPr id="2" name="내용 개체 틀 1"/>
@@ -8136,8 +8137,8 @@
           </a:prstGeom>
         </p:spPr>
       </p:pic>
-      <mc:AlternateContent xmlns:mc="http://schemas.openxmlformats.org/markup-compatibility/2006">
-        <mc:Choice xmlns:a14="http://schemas.microsoft.com/office/drawing/2010/main" Requires="a14">
+      <mc:AlternateContent xmlns:mc="http://schemas.openxmlformats.org/markup-compatibility/2006" xmlns:a14="http://schemas.microsoft.com/office/drawing/2010/main">
+        <mc:Choice Requires="a14">
           <p:sp>
             <p:nvSpPr>
               <p:cNvPr id="7" name="TextBox 6"/>
@@ -8199,7 +8200,7 @@
             </p:txBody>
           </p:sp>
         </mc:Choice>
-        <mc:Fallback>
+        <mc:Fallback xmlns="">
           <p:sp>
             <p:nvSpPr>
               <p:cNvPr id="7" name="TextBox 6"/>
@@ -8584,8 +8585,8 @@
           <a:chExt cx="0" cy="0"/>
         </a:xfrm>
       </p:grpSpPr>
-      <mc:AlternateContent xmlns:mc="http://schemas.openxmlformats.org/markup-compatibility/2006">
-        <mc:Choice xmlns:a14="http://schemas.microsoft.com/office/drawing/2010/main" Requires="a14">
+      <mc:AlternateContent xmlns:mc="http://schemas.openxmlformats.org/markup-compatibility/2006" xmlns:a14="http://schemas.microsoft.com/office/drawing/2010/main">
+        <mc:Choice Requires="a14">
           <p:sp>
             <p:nvSpPr>
               <p:cNvPr id="2" name="내용 개체 틀 1"/>
@@ -9185,7 +9186,7 @@
             </p:txBody>
           </p:sp>
         </mc:Choice>
-        <mc:Fallback>
+        <mc:Fallback xmlns="">
           <p:sp>
             <p:nvSpPr>
               <p:cNvPr id="2" name="내용 개체 틀 1"/>
@@ -9336,8 +9337,8 @@
           <a:chExt cx="0" cy="0"/>
         </a:xfrm>
       </p:grpSpPr>
-      <mc:AlternateContent xmlns:mc="http://schemas.openxmlformats.org/markup-compatibility/2006">
-        <mc:Choice xmlns:a14="http://schemas.microsoft.com/office/drawing/2010/main" Requires="a14">
+      <mc:AlternateContent xmlns:mc="http://schemas.openxmlformats.org/markup-compatibility/2006" xmlns:a14="http://schemas.microsoft.com/office/drawing/2010/main">
+        <mc:Choice Requires="a14">
           <p:sp>
             <p:nvSpPr>
               <p:cNvPr id="2" name="내용 개체 틀 1"/>
@@ -9740,11 +9741,7 @@
                 </a:r>
                 <a:r>
                   <a:rPr lang="ko-KR" altLang="en-US" dirty="0" smtClean="0"/>
-                  <a:t>물체들에 </a:t>
-                </a:r>
-                <a:r>
-                  <a:rPr lang="ko-KR" altLang="en-US" dirty="0" smtClean="0"/>
-                  <a:t>고르게 빛의 들어감</a:t>
+                  <a:t>물체들에 고르게 빛의 들어감</a:t>
                 </a:r>
                 <a:r>
                   <a:rPr lang="en-US" altLang="ko-KR" dirty="0" smtClean="0"/>
@@ -9755,7 +9752,7 @@
             </p:txBody>
           </p:sp>
         </mc:Choice>
-        <mc:Fallback>
+        <mc:Fallback xmlns="">
           <p:sp>
             <p:nvSpPr>
               <p:cNvPr id="2" name="내용 개체 틀 1"/>
@@ -9981,16 +9978,16 @@
                     </a:solidFill>
                     <a:sym typeface="Wingdings" panose="05000000000000000000" pitchFamily="2" charset="2"/>
                   </a:rPr>
-                  <a:t>는 시점의 의존적임</a:t>
-                </a:r>
-                <a:r>
-                  <a:rPr lang="en-US" altLang="ko-KR" b="1" dirty="0" smtClean="0">
+                  <a:t>는 시점의 </a:t>
+                </a:r>
+                <a:r>
+                  <a:rPr lang="ko-KR" altLang="en-US" b="1" dirty="0" smtClean="0">
                     <a:solidFill>
                       <a:srgbClr val="FF0000"/>
                     </a:solidFill>
                     <a:sym typeface="Wingdings" panose="05000000000000000000" pitchFamily="2" charset="2"/>
                   </a:rPr>
-                  <a:t>.</a:t>
+                  <a:t>의존적임</a:t>
                 </a:r>
                 <a:endParaRPr lang="en-US" altLang="ko-KR" b="1" dirty="0">
                   <a:solidFill>
@@ -10016,12 +10013,8 @@
               </a:p>
               <a:p>
                 <a:r>
-                  <a:rPr lang="ko-KR" altLang="en-US" dirty="0" err="1" smtClean="0"/>
-                  <a:t>프레넬</a:t>
-                </a:r>
-                <a:r>
-                  <a:rPr lang="ko-KR" altLang="en-US" dirty="0" smtClean="0"/>
-                  <a:t> 효과</a:t>
+                  <a:rPr lang="en-US" altLang="ko-KR" dirty="0" smtClean="0"/>
+                  <a:t>Fresnel Effect</a:t>
                 </a:r>
                 <a:endParaRPr lang="en-US" altLang="ko-KR" dirty="0" smtClean="0"/>
               </a:p>
@@ -10032,12 +10025,16 @@
                   <a:t>반사광의 양은 </a:t>
                 </a:r>
                 <a:r>
-                  <a:rPr lang="ko-KR" altLang="en-US" dirty="0" err="1" smtClean="0"/>
+                  <a:rPr lang="ko-KR" altLang="en-US" b="1" dirty="0" err="1" smtClean="0"/>
                   <a:t>법선과</a:t>
                 </a:r>
                 <a:r>
+                  <a:rPr lang="ko-KR" altLang="en-US" b="1" dirty="0" smtClean="0"/>
+                  <a:t> 빛 벡터 사이의 각도와 재질</a:t>
+                </a:r>
+                <a:r>
                   <a:rPr lang="ko-KR" altLang="en-US" dirty="0" smtClean="0"/>
-                  <a:t> 빛 벡터 사이의 각도와 재질에 의존함</a:t>
+                  <a:t>에 의존함</a:t>
                 </a:r>
                 <a:r>
                   <a:rPr lang="en-US" altLang="ko-KR" dirty="0" smtClean="0"/>
@@ -10051,14 +10048,14 @@
                     <m:sSub>
                       <m:sSubPr>
                         <m:ctrlPr>
-                          <a:rPr lang="en-US" altLang="ko-KR" i="1" smtClean="0">
+                          <a:rPr lang="en-US" altLang="ko-KR" i="1">
                             <a:latin typeface="Cambria Math" panose="02040503050406030204" pitchFamily="18" charset="0"/>
                           </a:rPr>
                         </m:ctrlPr>
                       </m:sSubPr>
                       <m:e>
                         <m:r>
-                          <a:rPr lang="en-US" altLang="ko-KR" b="0" i="1" smtClean="0">
+                          <a:rPr lang="en-US" altLang="ko-KR" i="1">
                             <a:latin typeface="Cambria Math" panose="02040503050406030204" pitchFamily="18" charset="0"/>
                           </a:rPr>
                           <m:t>𝑅</m:t>
@@ -10066,7 +10063,267 @@
                       </m:e>
                       <m:sub>
                         <m:r>
-                          <a:rPr lang="en-US" altLang="ko-KR" b="0" i="1" smtClean="0">
+                          <a:rPr lang="en-US" altLang="ko-KR" i="1">
+                            <a:latin typeface="Cambria Math" panose="02040503050406030204" pitchFamily="18" charset="0"/>
+                          </a:rPr>
+                          <m:t>𝐹</m:t>
+                        </m:r>
+                      </m:sub>
+                    </m:sSub>
+                    <m:r>
+                      <a:rPr lang="en-US" altLang="ko-KR" b="0" i="1" smtClean="0">
+                        <a:latin typeface="Cambria Math" panose="02040503050406030204" pitchFamily="18" charset="0"/>
+                      </a:rPr>
+                      <m:t>=</m:t>
+                    </m:r>
+                    <m:sSub>
+                      <m:sSubPr>
+                        <m:ctrlPr>
+                          <a:rPr lang="en-US" altLang="ko-KR" i="1">
+                            <a:latin typeface="Cambria Math" panose="02040503050406030204" pitchFamily="18" charset="0"/>
+                          </a:rPr>
+                        </m:ctrlPr>
+                      </m:sSubPr>
+                      <m:e>
+                        <m:r>
+                          <a:rPr lang="en-US" altLang="ko-KR" i="1">
+                            <a:latin typeface="Cambria Math" panose="02040503050406030204" pitchFamily="18" charset="0"/>
+                          </a:rPr>
+                          <m:t>𝑅</m:t>
+                        </m:r>
+                      </m:e>
+                      <m:sub>
+                        <m:r>
+                          <a:rPr lang="en-US" altLang="ko-KR" i="1">
+                            <a:latin typeface="Cambria Math" panose="02040503050406030204" pitchFamily="18" charset="0"/>
+                          </a:rPr>
+                          <m:t>𝐹</m:t>
+                        </m:r>
+                      </m:sub>
+                    </m:sSub>
+                    <m:r>
+                      <m:rPr>
+                        <m:nor/>
+                      </m:rPr>
+                      <a:rPr lang="en-US" altLang="ko-KR" dirty="0"/>
+                      <m:t>(</m:t>
+                    </m:r>
+                    <m:sSup>
+                      <m:sSupPr>
+                        <m:ctrlPr>
+                          <a:rPr lang="en-US" altLang="ko-KR" i="1">
+                            <a:latin typeface="Cambria Math" panose="02040503050406030204" pitchFamily="18" charset="0"/>
+                          </a:rPr>
+                        </m:ctrlPr>
+                      </m:sSupPr>
+                      <m:e>
+                        <m:r>
+                          <a:rPr lang="en-US" altLang="ko-KR" i="1">
+                            <a:latin typeface="Cambria Math" panose="02040503050406030204" pitchFamily="18" charset="0"/>
+                          </a:rPr>
+                          <m:t>0</m:t>
+                        </m:r>
+                      </m:e>
+                      <m:sup>
+                        <m:r>
+                          <a:rPr lang="en-US" altLang="ko-KR" i="1">
+                            <a:latin typeface="Cambria Math" panose="02040503050406030204" pitchFamily="18" charset="0"/>
+                          </a:rPr>
+                          <m:t>𝑜</m:t>
+                        </m:r>
+                      </m:sup>
+                    </m:sSup>
+                    <m:r>
+                      <m:rPr>
+                        <m:nor/>
+                      </m:rPr>
+                      <a:rPr lang="en-US" altLang="ko-KR" dirty="0"/>
+                      <m:t>)</m:t>
+                    </m:r>
+                    <m:r>
+                      <m:rPr>
+                        <m:nor/>
+                      </m:rPr>
+                      <a:rPr lang="en-US" altLang="ko-KR" b="0" i="0" dirty="0" smtClean="0"/>
+                      <m:t> + (1</m:t>
+                    </m:r>
+                    <m:r>
+                      <a:rPr lang="en-US" altLang="ko-KR" b="0" i="1" dirty="0" smtClean="0">
+                        <a:latin typeface="Cambria Math" panose="02040503050406030204" pitchFamily="18" charset="0"/>
+                      </a:rPr>
+                      <m:t>−</m:t>
+                    </m:r>
+                    <m:sSub>
+                      <m:sSubPr>
+                        <m:ctrlPr>
+                          <a:rPr lang="en-US" altLang="ko-KR" i="1">
+                            <a:latin typeface="Cambria Math" panose="02040503050406030204" pitchFamily="18" charset="0"/>
+                          </a:rPr>
+                        </m:ctrlPr>
+                      </m:sSubPr>
+                      <m:e>
+                        <m:r>
+                          <a:rPr lang="en-US" altLang="ko-KR" i="1">
+                            <a:latin typeface="Cambria Math" panose="02040503050406030204" pitchFamily="18" charset="0"/>
+                          </a:rPr>
+                          <m:t>𝑅</m:t>
+                        </m:r>
+                      </m:e>
+                      <m:sub>
+                        <m:r>
+                          <a:rPr lang="en-US" altLang="ko-KR" i="1">
+                            <a:latin typeface="Cambria Math" panose="02040503050406030204" pitchFamily="18" charset="0"/>
+                          </a:rPr>
+                          <m:t>𝐹</m:t>
+                        </m:r>
+                      </m:sub>
+                    </m:sSub>
+                    <m:r>
+                      <m:rPr>
+                        <m:nor/>
+                      </m:rPr>
+                      <a:rPr lang="en-US" altLang="ko-KR" dirty="0"/>
+                      <m:t>(</m:t>
+                    </m:r>
+                    <m:sSup>
+                      <m:sSupPr>
+                        <m:ctrlPr>
+                          <a:rPr lang="en-US" altLang="ko-KR" i="1">
+                            <a:latin typeface="Cambria Math" panose="02040503050406030204" pitchFamily="18" charset="0"/>
+                          </a:rPr>
+                        </m:ctrlPr>
+                      </m:sSupPr>
+                      <m:e>
+                        <m:r>
+                          <a:rPr lang="en-US" altLang="ko-KR" i="1">
+                            <a:latin typeface="Cambria Math" panose="02040503050406030204" pitchFamily="18" charset="0"/>
+                          </a:rPr>
+                          <m:t>0</m:t>
+                        </m:r>
+                      </m:e>
+                      <m:sup>
+                        <m:r>
+                          <a:rPr lang="en-US" altLang="ko-KR" i="1">
+                            <a:latin typeface="Cambria Math" panose="02040503050406030204" pitchFamily="18" charset="0"/>
+                          </a:rPr>
+                          <m:t>𝑜</m:t>
+                        </m:r>
+                      </m:sup>
+                    </m:sSup>
+                    <m:r>
+                      <m:rPr>
+                        <m:nor/>
+                      </m:rPr>
+                      <a:rPr lang="en-US" altLang="ko-KR" dirty="0"/>
+                      <m:t>)</m:t>
+                    </m:r>
+                    <m:r>
+                      <m:rPr>
+                        <m:nor/>
+                      </m:rPr>
+                      <a:rPr lang="en-US" altLang="ko-KR" b="0" i="0" dirty="0" smtClean="0"/>
+                      <m:t>)</m:t>
+                    </m:r>
+                    <m:sSup>
+                      <m:sSupPr>
+                        <m:ctrlPr>
+                          <a:rPr lang="en-US" altLang="ko-KR" b="0" i="1" dirty="0" smtClean="0">
+                            <a:latin typeface="Cambria Math" panose="02040503050406030204" pitchFamily="18" charset="0"/>
+                          </a:rPr>
+                        </m:ctrlPr>
+                      </m:sSupPr>
+                      <m:e>
+                        <m:r>
+                          <m:rPr>
+                            <m:nor/>
+                          </m:rPr>
+                          <a:rPr lang="en-US" altLang="ko-KR" dirty="0"/>
+                          <m:t>(1</m:t>
+                        </m:r>
+                        <m:r>
+                          <a:rPr lang="en-US" altLang="ko-KR" b="0" i="1" dirty="0" smtClean="0">
+                            <a:latin typeface="Cambria Math" panose="02040503050406030204" pitchFamily="18" charset="0"/>
+                          </a:rPr>
+                          <m:t>−</m:t>
+                        </m:r>
+                        <m:func>
+                          <m:funcPr>
+                            <m:ctrlPr>
+                              <a:rPr lang="en-US" altLang="ko-KR" i="1" dirty="0">
+                                <a:latin typeface="Cambria Math" panose="02040503050406030204" pitchFamily="18" charset="0"/>
+                              </a:rPr>
+                            </m:ctrlPr>
+                          </m:funcPr>
+                          <m:fName>
+                            <m:r>
+                              <m:rPr>
+                                <m:sty m:val="p"/>
+                              </m:rPr>
+                              <a:rPr lang="en-US" altLang="ko-KR" dirty="0">
+                                <a:latin typeface="Cambria Math" panose="02040503050406030204" pitchFamily="18" charset="0"/>
+                              </a:rPr>
+                              <m:t>cos</m:t>
+                            </m:r>
+                          </m:fName>
+                          <m:e>
+                            <m:r>
+                              <a:rPr lang="ko-KR" altLang="en-US" i="1" dirty="0">
+                                <a:latin typeface="Cambria Math" panose="02040503050406030204" pitchFamily="18" charset="0"/>
+                              </a:rPr>
+                              <m:t>𝜃</m:t>
+                            </m:r>
+                          </m:e>
+                        </m:func>
+                        <m:r>
+                          <a:rPr lang="en-US" altLang="ko-KR" i="1" dirty="0">
+                            <a:latin typeface="Cambria Math" panose="02040503050406030204" pitchFamily="18" charset="0"/>
+                          </a:rPr>
+                          <m:t>)</m:t>
+                        </m:r>
+                        <m:r>
+                          <m:rPr>
+                            <m:nor/>
+                          </m:rPr>
+                          <a:rPr lang="ko-KR" altLang="en-US" dirty="0"/>
+                          <m:t> </m:t>
+                        </m:r>
+                      </m:e>
+                      <m:sup>
+                        <m:r>
+                          <a:rPr lang="en-US" altLang="ko-KR" b="0" i="1" dirty="0" smtClean="0">
+                            <a:latin typeface="Cambria Math" panose="02040503050406030204" pitchFamily="18" charset="0"/>
+                          </a:rPr>
+                          <m:t>5</m:t>
+                        </m:r>
+                      </m:sup>
+                    </m:sSup>
+                  </m:oMath>
+                </a14:m>
+                <a:endParaRPr lang="en-US" altLang="ko-KR" dirty="0" smtClean="0"/>
+              </a:p>
+              <a:p>
+                <a:pPr lvl="1"/>
+                <a14:m>
+                  <m:oMath xmlns:m="http://schemas.openxmlformats.org/officeDocument/2006/math">
+                    <m:sSub>
+                      <m:sSubPr>
+                        <m:ctrlPr>
+                          <a:rPr lang="en-US" altLang="ko-KR" i="1">
+                            <a:latin typeface="Cambria Math" panose="02040503050406030204" pitchFamily="18" charset="0"/>
+                          </a:rPr>
+                        </m:ctrlPr>
+                      </m:sSubPr>
+                      <m:e>
+                        <m:r>
+                          <a:rPr lang="en-US" altLang="ko-KR" i="1">
+                            <a:latin typeface="Cambria Math" panose="02040503050406030204" pitchFamily="18" charset="0"/>
+                          </a:rPr>
+                          <m:t>𝑅</m:t>
+                        </m:r>
+                      </m:e>
+                      <m:sub>
+                        <m:r>
+                          <a:rPr lang="en-US" altLang="ko-KR" i="1">
                             <a:latin typeface="Cambria Math" panose="02040503050406030204" pitchFamily="18" charset="0"/>
                           </a:rPr>
                           <m:t>𝐹</m:t>
@@ -10082,19 +10339,19 @@
                   </m:oMath>
                 </a14:m>
                 <a:r>
-                  <a:rPr lang="ko-KR" altLang="en-US" dirty="0" smtClean="0"/>
+                  <a:rPr lang="ko-KR" altLang="en-US" dirty="0"/>
                   <a:t> </a:t>
                 </a:r>
                 <a:r>
-                  <a:rPr lang="ko-KR" altLang="en-US" dirty="0" err="1" smtClean="0"/>
+                  <a:rPr lang="ko-KR" altLang="en-US" dirty="0" err="1"/>
                   <a:t>입사광</a:t>
                 </a:r>
                 <a:r>
-                  <a:rPr lang="ko-KR" altLang="en-US" dirty="0" smtClean="0"/>
+                  <a:rPr lang="ko-KR" altLang="en-US" dirty="0"/>
                   <a:t> 중 반사되는 빛의 양</a:t>
                 </a:r>
                 <a:r>
-                  <a:rPr lang="en-US" altLang="ko-KR" dirty="0" smtClean="0"/>
+                  <a:rPr lang="en-US" altLang="ko-KR" dirty="0"/>
                   <a:t>, </a:t>
                 </a:r>
                 <a14:m>
@@ -10127,7 +10384,7 @@
                   </m:oMath>
                 </a14:m>
                 <a:r>
-                  <a:rPr lang="en-US" altLang="ko-KR" dirty="0" smtClean="0"/>
+                  <a:rPr lang="en-US" altLang="ko-KR" dirty="0"/>
                   <a:t>(</a:t>
                 </a:r>
                 <a14:m>
@@ -10135,14 +10392,14 @@
                     <m:sSup>
                       <m:sSupPr>
                         <m:ctrlPr>
-                          <a:rPr lang="en-US" altLang="ko-KR" i="1" smtClean="0">
+                          <a:rPr lang="en-US" altLang="ko-KR" i="1">
                             <a:latin typeface="Cambria Math" panose="02040503050406030204" pitchFamily="18" charset="0"/>
                           </a:rPr>
                         </m:ctrlPr>
                       </m:sSupPr>
                       <m:e>
                         <m:r>
-                          <a:rPr lang="en-US" altLang="ko-KR" b="0" i="1" smtClean="0">
+                          <a:rPr lang="en-US" altLang="ko-KR" i="1">
                             <a:latin typeface="Cambria Math" panose="02040503050406030204" pitchFamily="18" charset="0"/>
                           </a:rPr>
                           <m:t>0</m:t>
@@ -10150,7 +10407,7 @@
                       </m:e>
                       <m:sup>
                         <m:r>
-                          <a:rPr lang="en-US" altLang="ko-KR" b="0" i="1" smtClean="0">
+                          <a:rPr lang="en-US" altLang="ko-KR" i="1">
                             <a:latin typeface="Cambria Math" panose="02040503050406030204" pitchFamily="18" charset="0"/>
                           </a:rPr>
                           <m:t>𝑜</m:t>
@@ -10160,42 +10417,42 @@
                   </m:oMath>
                 </a14:m>
                 <a:r>
-                  <a:rPr lang="en-US" altLang="ko-KR" dirty="0" smtClean="0"/>
+                  <a:rPr lang="en-US" altLang="ko-KR" dirty="0"/>
                   <a:t>)</a:t>
                 </a:r>
                 <a:r>
-                  <a:rPr lang="ko-KR" altLang="en-US" dirty="0" smtClean="0"/>
+                  <a:rPr lang="ko-KR" altLang="en-US" dirty="0"/>
                   <a:t>는 매질</a:t>
                 </a:r>
                 <a:r>
-                  <a:rPr lang="en-US" altLang="ko-KR" dirty="0" smtClean="0"/>
+                  <a:rPr lang="en-US" altLang="ko-KR" dirty="0"/>
                   <a:t>(</a:t>
                 </a:r>
                 <a:r>
-                  <a:rPr lang="ko-KR" altLang="en-US" dirty="0" smtClean="0"/>
+                  <a:rPr lang="ko-KR" altLang="en-US" dirty="0"/>
                   <a:t>재질</a:t>
                 </a:r>
                 <a:r>
-                  <a:rPr lang="en-US" altLang="ko-KR" dirty="0" smtClean="0"/>
+                  <a:rPr lang="en-US" altLang="ko-KR" dirty="0"/>
                   <a:t>),</a:t>
                 </a:r>
                 <a:br>
-                  <a:rPr lang="en-US" altLang="ko-KR" dirty="0" smtClean="0"/>
+                  <a:rPr lang="en-US" altLang="ko-KR" dirty="0"/>
                 </a:br>
                 <a:r>
-                  <a:rPr lang="en-US" altLang="ko-KR" dirty="0" smtClean="0"/>
+                  <a:rPr lang="en-US" altLang="ko-KR" dirty="0"/>
                   <a:t>(</a:t>
                 </a:r>
                 <a14:m>
                   <m:oMath xmlns:m="http://schemas.openxmlformats.org/officeDocument/2006/math">
                     <m:r>
-                      <a:rPr lang="en-US" altLang="ko-KR" b="0" i="0" smtClean="0">
+                      <a:rPr lang="en-US" altLang="ko-KR">
                         <a:latin typeface="Cambria Math" panose="02040503050406030204" pitchFamily="18" charset="0"/>
                       </a:rPr>
                       <m:t>1</m:t>
                     </m:r>
                     <m:r>
-                      <a:rPr lang="en-US" altLang="ko-KR" b="0" i="1" smtClean="0">
+                      <a:rPr lang="en-US" altLang="ko-KR" i="1">
                         <a:latin typeface="Cambria Math" panose="02040503050406030204" pitchFamily="18" charset="0"/>
                       </a:rPr>
                       <m:t>−</m:t>
@@ -10228,15 +10485,15 @@
                   </m:oMath>
                 </a14:m>
                 <a:r>
-                  <a:rPr lang="en-US" altLang="ko-KR" dirty="0" smtClean="0"/>
+                  <a:rPr lang="en-US" altLang="ko-KR" dirty="0"/>
                   <a:t>)</a:t>
                 </a:r>
                 <a:r>
-                  <a:rPr lang="ko-KR" altLang="en-US" dirty="0" smtClean="0"/>
+                  <a:rPr lang="ko-KR" altLang="en-US" dirty="0"/>
                   <a:t>는 굴절된 빛의 양</a:t>
                 </a:r>
                 <a:r>
-                  <a:rPr lang="en-US" altLang="ko-KR" dirty="0" smtClean="0"/>
+                  <a:rPr lang="en-US" altLang="ko-KR" dirty="0"/>
                   <a:t>.</a:t>
                 </a:r>
               </a:p>
@@ -10262,7 +10519,7 @@
               <a:blipFill rotWithShape="0">
                 <a:blip r:embed="rId2"/>
                 <a:stretch>
-                  <a:fillRect t="-1053" r="-616"/>
+                  <a:fillRect t="-1053" r="-616" b="-1368"/>
                 </a:stretch>
               </a:blipFill>
             </p:spPr>
@@ -10533,6 +10790,65 @@
               <a:rPr lang="en-US" altLang="ko-KR" dirty="0" smtClean="0"/>
               <a:t>.</a:t>
             </a:r>
+          </a:p>
+          <a:p>
+            <a:pPr lvl="1"/>
+            <a:endParaRPr lang="en-US" altLang="ko-KR" dirty="0"/>
+          </a:p>
+          <a:p>
+            <a:pPr lvl="1"/>
+            <a:endParaRPr lang="en-US" altLang="ko-KR" dirty="0" smtClean="0"/>
+          </a:p>
+          <a:p>
+            <a:pPr lvl="1"/>
+            <a:endParaRPr lang="en-US" altLang="ko-KR" dirty="0"/>
+          </a:p>
+          <a:p>
+            <a:pPr lvl="1"/>
+            <a:endParaRPr lang="en-US" altLang="ko-KR" dirty="0" smtClean="0"/>
+          </a:p>
+          <a:p>
+            <a:pPr lvl="1"/>
+            <a:endParaRPr lang="en-US" altLang="ko-KR" dirty="0"/>
+          </a:p>
+          <a:p>
+            <a:pPr lvl="1"/>
+            <a:endParaRPr lang="en-US" altLang="ko-KR" dirty="0" smtClean="0"/>
+          </a:p>
+          <a:p>
+            <a:pPr lvl="1"/>
+            <a:endParaRPr lang="en-US" altLang="ko-KR" dirty="0"/>
+          </a:p>
+          <a:p>
+            <a:pPr lvl="1"/>
+            <a:endParaRPr lang="en-US" altLang="ko-KR" dirty="0" smtClean="0"/>
+          </a:p>
+          <a:p>
+            <a:pPr lvl="1"/>
+            <a:endParaRPr lang="en-US" altLang="ko-KR" dirty="0"/>
+          </a:p>
+          <a:p>
+            <a:pPr lvl="1"/>
+            <a:endParaRPr lang="en-US" altLang="ko-KR" dirty="0" smtClean="0"/>
+          </a:p>
+          <a:p>
+            <a:pPr marL="393192" lvl="1" indent="0">
+              <a:buNone/>
+            </a:pPr>
+            <a:r>
+              <a:rPr lang="en-US" altLang="ko-KR" dirty="0" smtClean="0">
+                <a:sym typeface="Wingdings" panose="05000000000000000000" pitchFamily="2" charset="2"/>
+              </a:rPr>
+              <a:t> </a:t>
+            </a:r>
+            <a:r>
+              <a:rPr lang="ko-KR" altLang="en-US" dirty="0" smtClean="0"/>
+              <a:t>각도가 커질수록 반사가 많고 굴절이 적음</a:t>
+            </a:r>
+            <a:r>
+              <a:rPr lang="en-US" altLang="ko-KR" dirty="0" smtClean="0"/>
+              <a:t>.</a:t>
+            </a:r>
             <a:endParaRPr lang="ko-KR" altLang="en-US" dirty="0"/>
           </a:p>
         </p:txBody>
@@ -10699,8 +11015,8 @@
         </p:blipFill>
         <p:spPr>
           <a:xfrm>
-            <a:off x="88898" y="4438200"/>
-            <a:ext cx="3522982" cy="2073969"/>
+            <a:off x="1139601" y="4445551"/>
+            <a:ext cx="2615234" cy="1539580"/>
           </a:xfrm>
           <a:prstGeom prst="rect">
             <a:avLst/>
@@ -10723,8 +11039,8 @@
         </p:blipFill>
         <p:spPr>
           <a:xfrm>
-            <a:off x="3760313" y="4438200"/>
-            <a:ext cx="4488493" cy="2137135"/>
+            <a:off x="4811016" y="4445550"/>
+            <a:ext cx="3331967" cy="1586471"/>
           </a:xfrm>
           <a:prstGeom prst="rect">
             <a:avLst/>
@@ -10867,30 +11183,22 @@
           </a:p>
           <a:p>
             <a:r>
-              <a:rPr lang="ko-KR" altLang="en-US" dirty="0" smtClean="0"/>
-              <a:t>재질의 구현</a:t>
+              <a:rPr lang="en-US" altLang="ko-KR" dirty="0" smtClean="0"/>
+              <a:t>Directional Light</a:t>
+            </a:r>
+          </a:p>
+          <a:p>
+            <a:r>
+              <a:rPr lang="en-US" altLang="ko-KR" dirty="0" smtClean="0"/>
+              <a:t>Point Light</a:t>
+            </a:r>
+          </a:p>
+          <a:p>
+            <a:r>
+              <a:rPr lang="en-US" altLang="ko-KR" dirty="0" smtClean="0"/>
+              <a:t>Spot Light</a:t>
             </a:r>
             <a:endParaRPr lang="en-US" altLang="ko-KR" dirty="0" smtClean="0"/>
-          </a:p>
-          <a:p>
-            <a:r>
-              <a:rPr lang="en-US" altLang="ko-KR" dirty="0" smtClean="0"/>
-              <a:t>Directional Light, Point Light, Spot Light</a:t>
-            </a:r>
-          </a:p>
-          <a:p>
-            <a:r>
-              <a:rPr lang="ko-KR" altLang="en-US" dirty="0" smtClean="0"/>
-              <a:t>조명 구현</a:t>
-            </a:r>
-            <a:endParaRPr lang="en-US" altLang="ko-KR" dirty="0" smtClean="0"/>
-          </a:p>
-          <a:p>
-            <a:r>
-              <a:rPr lang="ko-KR" altLang="en-US" dirty="0" smtClean="0"/>
-              <a:t>파도 조명 예제</a:t>
-            </a:r>
-            <a:endParaRPr lang="ko-KR" altLang="en-US" dirty="0"/>
           </a:p>
         </p:txBody>
       </p:sp>
@@ -11038,17 +11346,122 @@
               <a:t>표면의 </a:t>
             </a:r>
             <a:r>
-              <a:rPr lang="ko-KR" altLang="en-US" dirty="0" err="1" smtClean="0"/>
-              <a:t>들줄날쭉한</a:t>
-            </a:r>
-            <a:r>
               <a:rPr lang="ko-KR" altLang="en-US" dirty="0" smtClean="0"/>
-              <a:t> 정도를 나타냄</a:t>
+              <a:t>들쭉날쭉한 </a:t>
+            </a:r>
+            <a:r>
+              <a:rPr lang="ko-KR" altLang="en-US" dirty="0" smtClean="0"/>
+              <a:t>정도를 나타냄</a:t>
             </a:r>
             <a:r>
               <a:rPr lang="en-US" altLang="ko-KR" dirty="0" smtClean="0"/>
               <a:t>.</a:t>
             </a:r>
+          </a:p>
+          <a:p>
+            <a:pPr lvl="1"/>
+            <a:r>
+              <a:rPr lang="ko-KR" altLang="en-US" dirty="0" smtClean="0"/>
+              <a:t>표면의 거칠기가 완벽히 매끄러운 것은 없음</a:t>
+            </a:r>
+            <a:r>
+              <a:rPr lang="en-US" altLang="ko-KR" dirty="0" smtClean="0"/>
+              <a:t>.</a:t>
+            </a:r>
+            <a:br>
+              <a:rPr lang="en-US" altLang="ko-KR" dirty="0" smtClean="0"/>
+            </a:br>
+            <a:r>
+              <a:rPr lang="ko-KR" altLang="en-US" dirty="0" smtClean="0"/>
+              <a:t>표면이 거칠수록 </a:t>
+            </a:r>
+            <a:r>
+              <a:rPr lang="ko-KR" altLang="en-US" dirty="0" smtClean="0"/>
+              <a:t>미시 </a:t>
+            </a:r>
+            <a:r>
+              <a:rPr lang="ko-KR" altLang="en-US" dirty="0" err="1" smtClean="0"/>
+              <a:t>법선들의</a:t>
+            </a:r>
+            <a:r>
+              <a:rPr lang="ko-KR" altLang="en-US" dirty="0" smtClean="0"/>
+              <a:t> 방향이 거시 </a:t>
+            </a:r>
+            <a:r>
+              <a:rPr lang="ko-KR" altLang="en-US" dirty="0" err="1" smtClean="0"/>
+              <a:t>법선의</a:t>
+            </a:r>
+            <a:r>
+              <a:rPr lang="ko-KR" altLang="en-US" dirty="0" smtClean="0"/>
+              <a:t> 방향에</a:t>
+            </a:r>
+            <a:r>
+              <a:rPr lang="en-US" altLang="ko-KR" dirty="0" smtClean="0"/>
+              <a:t/>
+            </a:r>
+            <a:br>
+              <a:rPr lang="en-US" altLang="ko-KR" dirty="0" smtClean="0"/>
+            </a:br>
+            <a:r>
+              <a:rPr lang="ko-KR" altLang="en-US" dirty="0" smtClean="0"/>
+              <a:t>벗어남</a:t>
+            </a:r>
+            <a:r>
+              <a:rPr lang="en-US" altLang="ko-KR" dirty="0" smtClean="0"/>
+              <a:t>.</a:t>
+            </a:r>
+            <a:endParaRPr lang="en-US" altLang="ko-KR" dirty="0"/>
+          </a:p>
+          <a:p>
+            <a:pPr lvl="1"/>
+            <a:endParaRPr lang="en-US" altLang="ko-KR" dirty="0" smtClean="0"/>
+          </a:p>
+          <a:p>
+            <a:pPr lvl="1"/>
+            <a:endParaRPr lang="en-US" altLang="ko-KR" dirty="0"/>
+          </a:p>
+          <a:p>
+            <a:pPr lvl="1"/>
+            <a:endParaRPr lang="en-US" altLang="ko-KR" dirty="0" smtClean="0"/>
+          </a:p>
+          <a:p>
+            <a:pPr lvl="1"/>
+            <a:endParaRPr lang="en-US" altLang="ko-KR" dirty="0"/>
+          </a:p>
+          <a:p>
+            <a:pPr lvl="1"/>
+            <a:endParaRPr lang="en-US" altLang="ko-KR" dirty="0" smtClean="0"/>
+          </a:p>
+          <a:p>
+            <a:pPr lvl="1"/>
+            <a:endParaRPr lang="en-US" altLang="ko-KR" dirty="0"/>
+          </a:p>
+          <a:p>
+            <a:pPr lvl="1"/>
+            <a:endParaRPr lang="en-US" altLang="ko-KR" dirty="0" smtClean="0"/>
+          </a:p>
+          <a:p>
+            <a:pPr lvl="1"/>
+            <a:r>
+              <a:rPr lang="ko-KR" altLang="en-US" dirty="0" smtClean="0"/>
+              <a:t>표면에 반사된 벡터들의 일정 범위를 </a:t>
+            </a:r>
+            <a:r>
+              <a:rPr lang="en-US" altLang="ko-KR" dirty="0" smtClean="0"/>
+              <a:t>Specular lobe</a:t>
+            </a:r>
+            <a:r>
+              <a:rPr lang="ko-KR" altLang="en-US" dirty="0" smtClean="0"/>
+              <a:t>라고 함</a:t>
+            </a:r>
+            <a:r>
+              <a:rPr lang="en-US" altLang="ko-KR" dirty="0" smtClean="0"/>
+              <a:t>.</a:t>
+            </a:r>
+          </a:p>
+          <a:p>
+            <a:pPr lvl="1"/>
+            <a:endParaRPr lang="en-US" altLang="ko-KR" dirty="0" smtClean="0"/>
           </a:p>
           <a:p>
             <a:pPr lvl="1"/>
@@ -11129,6 +11542,92 @@
               <a:t>(3)</a:t>
             </a:r>
             <a:endParaRPr lang="ko-KR" altLang="en-US" dirty="0"/>
+          </a:p>
+        </p:txBody>
+      </p:sp>
+      <p:pic>
+        <p:nvPicPr>
+          <p:cNvPr id="7" name="그림 6"/>
+          <p:cNvPicPr>
+            <a:picLocks noChangeAspect="1"/>
+          </p:cNvPicPr>
+          <p:nvPr/>
+        </p:nvPicPr>
+        <p:blipFill>
+          <a:blip r:embed="rId2"/>
+          <a:stretch>
+            <a:fillRect/>
+          </a:stretch>
+        </p:blipFill>
+        <p:spPr>
+          <a:xfrm>
+            <a:off x="1524000" y="2924944"/>
+            <a:ext cx="6019800" cy="1619250"/>
+          </a:xfrm>
+          <a:prstGeom prst="rect">
+            <a:avLst/>
+          </a:prstGeom>
+        </p:spPr>
+      </p:pic>
+      <p:sp>
+        <p:nvSpPr>
+          <p:cNvPr id="8" name="TextBox 7"/>
+          <p:cNvSpPr txBox="1"/>
+          <p:nvPr/>
+        </p:nvSpPr>
+        <p:spPr>
+          <a:xfrm>
+            <a:off x="1763688" y="4544194"/>
+            <a:ext cx="5219699" cy="276999"/>
+          </a:xfrm>
+          <a:prstGeom prst="rect">
+            <a:avLst/>
+          </a:prstGeom>
+          <a:noFill/>
+        </p:spPr>
+        <p:txBody>
+          <a:bodyPr wrap="none" rtlCol="0">
+            <a:spAutoFit/>
+          </a:bodyPr>
+          <a:lstStyle/>
+          <a:p>
+            <a:r>
+              <a:rPr lang="ko-KR" altLang="en-US" sz="1200" dirty="0" smtClean="0"/>
+              <a:t>그림</a:t>
+            </a:r>
+            <a:r>
+              <a:rPr lang="en-US" altLang="ko-KR" sz="1200" dirty="0" smtClean="0"/>
+              <a:t>15-1) (a) </a:t>
+            </a:r>
+            <a:r>
+              <a:rPr lang="ko-KR" altLang="en-US" sz="1200" dirty="0" smtClean="0"/>
+              <a:t>미시적 법선</a:t>
+            </a:r>
+            <a:r>
+              <a:rPr lang="en-US" altLang="ko-KR" sz="1200" dirty="0" smtClean="0"/>
+              <a:t>, </a:t>
+            </a:r>
+            <a:r>
+              <a:rPr lang="ko-KR" altLang="en-US" sz="1200" dirty="0" smtClean="0"/>
+              <a:t>거시적 법선</a:t>
+            </a:r>
+            <a:r>
+              <a:rPr lang="en-US" altLang="ko-KR" sz="1200" dirty="0"/>
+              <a:t> </a:t>
+            </a:r>
+            <a:r>
+              <a:rPr lang="en-US" altLang="ko-KR" sz="1200" dirty="0" smtClean="0"/>
+              <a:t>/ (b) </a:t>
+            </a:r>
+            <a:r>
+              <a:rPr lang="ko-KR" altLang="en-US" sz="1200" dirty="0" smtClean="0"/>
+              <a:t>반영 돌출부</a:t>
+            </a:r>
+            <a:r>
+              <a:rPr lang="en-US" altLang="ko-KR" sz="1200" dirty="0" smtClean="0"/>
+              <a:t>(specular lobe)</a:t>
+            </a:r>
+            <a:endParaRPr lang="ko-KR" altLang="en-US" sz="1200" dirty="0"/>
           </a:p>
         </p:txBody>
       </p:sp>
@@ -11169,25 +11668,459 @@
           <a:chExt cx="0" cy="0"/>
         </a:xfrm>
       </p:grpSpPr>
-      <p:sp>
-        <p:nvSpPr>
-          <p:cNvPr id="2" name="내용 개체 틀 1"/>
-          <p:cNvSpPr>
-            <a:spLocks noGrp="1"/>
-          </p:cNvSpPr>
-          <p:nvPr>
-            <p:ph idx="1"/>
-          </p:nvPr>
-        </p:nvSpPr>
-        <p:spPr/>
-        <p:txBody>
-          <a:bodyPr/>
-          <a:lstStyle/>
-          <a:p>
-            <a:endParaRPr lang="ko-KR" altLang="en-US" dirty="0"/>
-          </a:p>
-        </p:txBody>
-      </p:sp>
+      <mc:AlternateContent xmlns:mc="http://schemas.openxmlformats.org/markup-compatibility/2006">
+        <mc:Choice xmlns:a14="http://schemas.microsoft.com/office/drawing/2010/main" Requires="a14">
+          <p:sp>
+            <p:nvSpPr>
+              <p:cNvPr id="2" name="내용 개체 틀 1"/>
+              <p:cNvSpPr>
+                <a:spLocks noGrp="1"/>
+              </p:cNvSpPr>
+              <p:nvPr>
+                <p:ph idx="1"/>
+              </p:nvPr>
+            </p:nvSpPr>
+            <p:spPr/>
+            <p:txBody>
+              <a:bodyPr/>
+              <a:lstStyle/>
+              <a:p>
+                <a:r>
+                  <a:rPr lang="ko-KR" altLang="en-US" dirty="0" smtClean="0"/>
+                  <a:t>정규 분포 함수 </a:t>
+                </a:r>
+                <a14:m>
+                  <m:oMath xmlns:m="http://schemas.openxmlformats.org/officeDocument/2006/math">
+                    <m:r>
+                      <a:rPr lang="ko-KR" altLang="en-US" i="1" smtClean="0">
+                        <a:latin typeface="Cambria Math" panose="02040503050406030204" pitchFamily="18" charset="0"/>
+                      </a:rPr>
+                      <m:t>𝜌</m:t>
+                    </m:r>
+                    <m:r>
+                      <a:rPr lang="en-US" altLang="ko-KR" b="0" i="1" smtClean="0">
+                        <a:latin typeface="Cambria Math" panose="02040503050406030204" pitchFamily="18" charset="0"/>
+                      </a:rPr>
+                      <m:t>(</m:t>
+                    </m:r>
+                    <m:sSub>
+                      <m:sSubPr>
+                        <m:ctrlPr>
+                          <a:rPr lang="en-US" altLang="ko-KR" b="0" i="1" smtClean="0">
+                            <a:latin typeface="Cambria Math" panose="02040503050406030204" pitchFamily="18" charset="0"/>
+                          </a:rPr>
+                        </m:ctrlPr>
+                      </m:sSubPr>
+                      <m:e>
+                        <m:r>
+                          <a:rPr lang="ko-KR" altLang="en-US" b="0" i="1" smtClean="0">
+                            <a:latin typeface="Cambria Math" panose="02040503050406030204" pitchFamily="18" charset="0"/>
+                          </a:rPr>
+                          <m:t>𝜃</m:t>
+                        </m:r>
+                      </m:e>
+                      <m:sub>
+                        <m:r>
+                          <a:rPr lang="en-US" altLang="ko-KR" b="0" i="1" smtClean="0">
+                            <a:latin typeface="Cambria Math" panose="02040503050406030204" pitchFamily="18" charset="0"/>
+                          </a:rPr>
+                          <m:t>h</m:t>
+                        </m:r>
+                      </m:sub>
+                    </m:sSub>
+                    <m:r>
+                      <a:rPr lang="en-US" altLang="ko-KR" b="0" i="1" smtClean="0">
+                        <a:latin typeface="Cambria Math" panose="02040503050406030204" pitchFamily="18" charset="0"/>
+                      </a:rPr>
+                      <m:t>)</m:t>
+                    </m:r>
+                  </m:oMath>
+                </a14:m>
+                <a:endParaRPr lang="en-US" altLang="ko-KR" dirty="0" smtClean="0"/>
+              </a:p>
+              <a:p>
+                <a:pPr lvl="1"/>
+                <a:r>
+                  <a:rPr lang="ko-KR" altLang="en-US" dirty="0" smtClean="0"/>
+                  <a:t>표면 거칠기를 정규 분포 함수를 통해 제어함</a:t>
+                </a:r>
+                <a:r>
+                  <a:rPr lang="en-US" altLang="ko-KR" dirty="0" smtClean="0"/>
+                  <a:t>.</a:t>
+                </a:r>
+              </a:p>
+              <a:p>
+                <a:pPr lvl="1"/>
+                <a14:m>
+                  <m:oMath xmlns:m="http://schemas.openxmlformats.org/officeDocument/2006/math">
+                    <m:r>
+                      <a:rPr lang="ko-KR" altLang="en-US" i="1">
+                        <a:latin typeface="Cambria Math" panose="02040503050406030204" pitchFamily="18" charset="0"/>
+                      </a:rPr>
+                      <m:t>𝜌</m:t>
+                    </m:r>
+                    <m:d>
+                      <m:dPr>
+                        <m:ctrlPr>
+                          <a:rPr lang="en-US" altLang="ko-KR" i="1">
+                            <a:latin typeface="Cambria Math" panose="02040503050406030204" pitchFamily="18" charset="0"/>
+                          </a:rPr>
+                        </m:ctrlPr>
+                      </m:dPr>
+                      <m:e>
+                        <m:sSub>
+                          <m:sSubPr>
+                            <m:ctrlPr>
+                              <a:rPr lang="en-US" altLang="ko-KR" i="1">
+                                <a:latin typeface="Cambria Math" panose="02040503050406030204" pitchFamily="18" charset="0"/>
+                              </a:rPr>
+                            </m:ctrlPr>
+                          </m:sSubPr>
+                          <m:e>
+                            <m:r>
+                              <a:rPr lang="ko-KR" altLang="en-US" i="1">
+                                <a:latin typeface="Cambria Math" panose="02040503050406030204" pitchFamily="18" charset="0"/>
+                              </a:rPr>
+                              <m:t>𝜃</m:t>
+                            </m:r>
+                          </m:e>
+                          <m:sub>
+                            <m:r>
+                              <a:rPr lang="en-US" altLang="ko-KR" i="1">
+                                <a:latin typeface="Cambria Math" panose="02040503050406030204" pitchFamily="18" charset="0"/>
+                              </a:rPr>
+                              <m:t>h</m:t>
+                            </m:r>
+                          </m:sub>
+                        </m:sSub>
+                      </m:e>
+                    </m:d>
+                    <m:r>
+                      <a:rPr lang="en-US" altLang="ko-KR" b="0" i="0" smtClean="0">
+                        <a:latin typeface="Cambria Math" panose="02040503050406030204" pitchFamily="18" charset="0"/>
+                      </a:rPr>
+                      <m:t>=</m:t>
+                    </m:r>
+                    <m:sSup>
+                      <m:sSupPr>
+                        <m:ctrlPr>
+                          <a:rPr lang="en-US" altLang="ko-KR" b="0" i="1" smtClean="0">
+                            <a:latin typeface="Cambria Math" panose="02040503050406030204" pitchFamily="18" charset="0"/>
+                          </a:rPr>
+                        </m:ctrlPr>
+                      </m:sSupPr>
+                      <m:e>
+                        <m:func>
+                          <m:funcPr>
+                            <m:ctrlPr>
+                              <a:rPr lang="en-US" altLang="ko-KR" b="0" i="1" smtClean="0">
+                                <a:latin typeface="Cambria Math" panose="02040503050406030204" pitchFamily="18" charset="0"/>
+                              </a:rPr>
+                            </m:ctrlPr>
+                          </m:funcPr>
+                          <m:fName>
+                            <m:r>
+                              <m:rPr>
+                                <m:sty m:val="p"/>
+                              </m:rPr>
+                              <a:rPr lang="en-US" altLang="ko-KR" b="0" i="0" smtClean="0">
+                                <a:latin typeface="Cambria Math" panose="02040503050406030204" pitchFamily="18" charset="0"/>
+                              </a:rPr>
+                              <m:t>cos</m:t>
+                            </m:r>
+                          </m:fName>
+                          <m:e>
+                            <m:sSub>
+                              <m:sSubPr>
+                                <m:ctrlPr>
+                                  <a:rPr lang="en-US" altLang="ko-KR" i="1">
+                                    <a:latin typeface="Cambria Math" panose="02040503050406030204" pitchFamily="18" charset="0"/>
+                                  </a:rPr>
+                                </m:ctrlPr>
+                              </m:sSubPr>
+                              <m:e>
+                                <m:r>
+                                  <a:rPr lang="ko-KR" altLang="en-US" i="1">
+                                    <a:latin typeface="Cambria Math" panose="02040503050406030204" pitchFamily="18" charset="0"/>
+                                  </a:rPr>
+                                  <m:t>𝜃</m:t>
+                                </m:r>
+                              </m:e>
+                              <m:sub>
+                                <m:r>
+                                  <a:rPr lang="en-US" altLang="ko-KR" i="1">
+                                    <a:latin typeface="Cambria Math" panose="02040503050406030204" pitchFamily="18" charset="0"/>
+                                  </a:rPr>
+                                  <m:t>h</m:t>
+                                </m:r>
+                              </m:sub>
+                            </m:sSub>
+                          </m:e>
+                        </m:func>
+                      </m:e>
+                      <m:sup>
+                        <m:r>
+                          <a:rPr lang="en-US" altLang="ko-KR" b="0" i="1" smtClean="0">
+                            <a:latin typeface="Cambria Math" panose="02040503050406030204" pitchFamily="18" charset="0"/>
+                          </a:rPr>
+                          <m:t>𝑚</m:t>
+                        </m:r>
+                      </m:sup>
+                    </m:sSup>
+                    <m:r>
+                      <a:rPr lang="en-US" altLang="ko-KR" b="0" i="1" smtClean="0">
+                        <a:latin typeface="Cambria Math" panose="02040503050406030204" pitchFamily="18" charset="0"/>
+                      </a:rPr>
+                      <m:t>=</m:t>
+                    </m:r>
+                    <m:sSup>
+                      <m:sSupPr>
+                        <m:ctrlPr>
+                          <a:rPr lang="en-US" altLang="ko-KR" i="1">
+                            <a:latin typeface="Cambria Math" panose="02040503050406030204" pitchFamily="18" charset="0"/>
+                          </a:rPr>
+                        </m:ctrlPr>
+                      </m:sSupPr>
+                      <m:e>
+                        <m:func>
+                          <m:funcPr>
+                            <m:ctrlPr>
+                              <a:rPr lang="en-US" altLang="ko-KR" i="1">
+                                <a:latin typeface="Cambria Math" panose="02040503050406030204" pitchFamily="18" charset="0"/>
+                              </a:rPr>
+                            </m:ctrlPr>
+                          </m:funcPr>
+                          <m:fName>
+                            <m:r>
+                              <m:rPr>
+                                <m:sty m:val="p"/>
+                              </m:rPr>
+                              <a:rPr lang="en-US" altLang="ko-KR">
+                                <a:latin typeface="Cambria Math" panose="02040503050406030204" pitchFamily="18" charset="0"/>
+                              </a:rPr>
+                              <m:t>cos</m:t>
+                            </m:r>
+                          </m:fName>
+                          <m:e>
+                            <m:r>
+                              <a:rPr lang="en-US" altLang="ko-KR" i="1">
+                                <a:latin typeface="Cambria Math" panose="02040503050406030204" pitchFamily="18" charset="0"/>
+                              </a:rPr>
+                              <m:t>(</m:t>
+                            </m:r>
+                            <m:r>
+                              <a:rPr lang="en-US" altLang="ko-KR" i="1">
+                                <a:latin typeface="Cambria Math" panose="02040503050406030204" pitchFamily="18" charset="0"/>
+                              </a:rPr>
+                              <m:t>𝑛</m:t>
+                            </m:r>
+                            <m:r>
+                              <a:rPr lang="en-US" altLang="ko-KR" i="1">
+                                <a:latin typeface="Cambria Math" panose="02040503050406030204" pitchFamily="18" charset="0"/>
+                              </a:rPr>
+                              <m:t>∗</m:t>
+                            </m:r>
+                            <m:r>
+                              <a:rPr lang="en-US" altLang="ko-KR" i="1">
+                                <a:latin typeface="Cambria Math" panose="02040503050406030204" pitchFamily="18" charset="0"/>
+                              </a:rPr>
+                              <m:t>h</m:t>
+                            </m:r>
+                            <m:r>
+                              <a:rPr lang="en-US" altLang="ko-KR" i="1">
+                                <a:latin typeface="Cambria Math" panose="02040503050406030204" pitchFamily="18" charset="0"/>
+                              </a:rPr>
+                              <m:t>)</m:t>
+                            </m:r>
+                          </m:e>
+                        </m:func>
+                      </m:e>
+                      <m:sup>
+                        <m:r>
+                          <a:rPr lang="en-US" altLang="ko-KR" i="1">
+                            <a:latin typeface="Cambria Math" panose="02040503050406030204" pitchFamily="18" charset="0"/>
+                          </a:rPr>
+                          <m:t>𝑚</m:t>
+                        </m:r>
+                      </m:sup>
+                    </m:sSup>
+                  </m:oMath>
+                </a14:m>
+                <a:endParaRPr lang="en-US" altLang="ko-KR" dirty="0" smtClean="0"/>
+              </a:p>
+              <a:p>
+                <a:pPr lvl="1"/>
+                <a:endParaRPr lang="en-US" altLang="ko-KR" dirty="0"/>
+              </a:p>
+              <a:p>
+                <a:pPr lvl="1"/>
+                <a:endParaRPr lang="en-US" altLang="ko-KR" dirty="0" smtClean="0"/>
+              </a:p>
+              <a:p>
+                <a:pPr lvl="1"/>
+                <a:endParaRPr lang="en-US" altLang="ko-KR" dirty="0"/>
+              </a:p>
+              <a:p>
+                <a:pPr lvl="1"/>
+                <a:endParaRPr lang="en-US" altLang="ko-KR" dirty="0" smtClean="0"/>
+              </a:p>
+              <a:p>
+                <a:pPr lvl="1"/>
+                <a:endParaRPr lang="en-US" altLang="ko-KR" dirty="0"/>
+              </a:p>
+              <a:p>
+                <a:pPr lvl="1"/>
+                <a:endParaRPr lang="en-US" altLang="ko-KR" dirty="0" smtClean="0"/>
+              </a:p>
+              <a:p>
+                <a:pPr lvl="1"/>
+                <a:r>
+                  <a:rPr lang="en-US" altLang="ko-KR" dirty="0" smtClean="0"/>
+                  <a:t>h</a:t>
+                </a:r>
+                <a:r>
+                  <a:rPr lang="ko-KR" altLang="en-US" dirty="0" smtClean="0"/>
+                  <a:t>는 빛 벡터와 시점 벡터 사이의 중간 벡터</a:t>
+                </a:r>
+                <a:r>
+                  <a:rPr lang="en-US" altLang="ko-KR" dirty="0" smtClean="0"/>
+                  <a:t>.</a:t>
+                </a:r>
+                <a:endParaRPr lang="en-US" altLang="ko-KR" dirty="0" smtClean="0"/>
+              </a:p>
+              <a:p>
+                <a:pPr lvl="1"/>
+                <a14:m>
+                  <m:oMath xmlns:m="http://schemas.openxmlformats.org/officeDocument/2006/math">
+                    <m:sSub>
+                      <m:sSubPr>
+                        <m:ctrlPr>
+                          <a:rPr lang="en-US" altLang="ko-KR" i="1">
+                            <a:latin typeface="Cambria Math" panose="02040503050406030204" pitchFamily="18" charset="0"/>
+                          </a:rPr>
+                        </m:ctrlPr>
+                      </m:sSubPr>
+                      <m:e>
+                        <m:r>
+                          <a:rPr lang="ko-KR" altLang="en-US" i="1">
+                            <a:latin typeface="Cambria Math" panose="02040503050406030204" pitchFamily="18" charset="0"/>
+                          </a:rPr>
+                          <m:t>𝜃</m:t>
+                        </m:r>
+                      </m:e>
+                      <m:sub>
+                        <m:r>
+                          <a:rPr lang="en-US" altLang="ko-KR" i="1">
+                            <a:latin typeface="Cambria Math" panose="02040503050406030204" pitchFamily="18" charset="0"/>
+                          </a:rPr>
+                          <m:t>h</m:t>
+                        </m:r>
+                      </m:sub>
+                    </m:sSub>
+                  </m:oMath>
+                </a14:m>
+                <a:r>
+                  <a:rPr lang="ko-KR" altLang="en-US" dirty="0" smtClean="0"/>
+                  <a:t>는 </a:t>
+                </a:r>
+                <a:r>
+                  <a:rPr lang="ko-KR" altLang="en-US" dirty="0" err="1" smtClean="0"/>
+                  <a:t>노멀</a:t>
+                </a:r>
+                <a:r>
+                  <a:rPr lang="ko-KR" altLang="en-US" dirty="0" smtClean="0"/>
+                  <a:t> 벡터와 </a:t>
+                </a:r>
+                <a:r>
+                  <a:rPr lang="en-US" altLang="ko-KR" dirty="0" smtClean="0"/>
+                  <a:t>h </a:t>
+                </a:r>
+                <a:r>
+                  <a:rPr lang="ko-KR" altLang="en-US" dirty="0" smtClean="0"/>
+                  <a:t>벡터 사이의 각도</a:t>
+                </a:r>
+                <a:r>
+                  <a:rPr lang="en-US" altLang="ko-KR" dirty="0" smtClean="0"/>
+                  <a:t>.</a:t>
+                </a:r>
+              </a:p>
+              <a:p>
+                <a:pPr lvl="1"/>
+                <a:r>
+                  <a:rPr lang="en-US" altLang="ko-KR" dirty="0" smtClean="0"/>
+                  <a:t>m</a:t>
+                </a:r>
+                <a:r>
+                  <a:rPr lang="ko-KR" altLang="en-US" dirty="0" smtClean="0"/>
+                  <a:t>이 증가하면 더 거칠어지고 </a:t>
+                </a:r>
+                <a:r>
+                  <a:rPr lang="ko-KR" altLang="en-US" dirty="0" err="1" smtClean="0"/>
+                  <a:t>미세변</a:t>
+                </a:r>
+                <a:r>
+                  <a:rPr lang="ko-KR" altLang="en-US" dirty="0" smtClean="0"/>
+                  <a:t> </a:t>
+                </a:r>
+                <a:r>
+                  <a:rPr lang="ko-KR" altLang="en-US" dirty="0" err="1" smtClean="0"/>
+                  <a:t>법선들이</a:t>
+                </a:r>
+                <a:r>
+                  <a:rPr lang="ko-KR" altLang="en-US" dirty="0" smtClean="0"/>
+                  <a:t> 거시 법선 방향으로 좀 더 벗어나고 </a:t>
+                </a:r>
+                <a:r>
+                  <a:rPr lang="en-US" altLang="ko-KR" dirty="0" smtClean="0"/>
+                  <a:t>m</a:t>
+                </a:r>
+                <a:r>
+                  <a:rPr lang="ko-KR" altLang="en-US" dirty="0" smtClean="0"/>
+                  <a:t>이 감소하면 그와 반대</a:t>
+                </a:r>
+                <a:r>
+                  <a:rPr lang="en-US" altLang="ko-KR" dirty="0" smtClean="0"/>
+                  <a:t>.</a:t>
+                </a:r>
+                <a:endParaRPr lang="ko-KR" altLang="en-US" dirty="0"/>
+              </a:p>
+            </p:txBody>
+          </p:sp>
+        </mc:Choice>
+        <mc:Fallback>
+          <p:sp>
+            <p:nvSpPr>
+              <p:cNvPr id="2" name="내용 개체 틀 1"/>
+              <p:cNvSpPr>
+                <a:spLocks noGrp="1" noRot="1" noChangeAspect="1" noMove="1" noResize="1" noEditPoints="1" noAdjustHandles="1" noChangeArrowheads="1" noChangeShapeType="1" noTextEdit="1"/>
+              </p:cNvSpPr>
+              <p:nvPr>
+                <p:ph idx="1"/>
+              </p:nvPr>
+            </p:nvSpPr>
+            <p:spPr>
+              <a:blipFill rotWithShape="0">
+                <a:blip r:embed="rId2"/>
+                <a:stretch>
+                  <a:fillRect t="-1053"/>
+                </a:stretch>
+              </a:blipFill>
+            </p:spPr>
+            <p:txBody>
+              <a:bodyPr/>
+              <a:lstStyle/>
+              <a:p>
+                <a:r>
+                  <a:rPr lang="ko-KR" altLang="en-US">
+                    <a:noFill/>
+                  </a:rPr>
+                  <a:t> </a:t>
+                </a:r>
+              </a:p>
+            </p:txBody>
+          </p:sp>
+        </mc:Fallback>
+      </mc:AlternateContent>
       <p:sp>
         <p:nvSpPr>
           <p:cNvPr id="3" name="날짜 개체 틀 2"/>
@@ -11252,7 +12185,117 @@
           </a:bodyPr>
           <a:lstStyle/>
           <a:p>
+            <a:r>
+              <a:rPr lang="en-US" altLang="ko-KR" dirty="0"/>
+              <a:t>Specular Lighting </a:t>
+            </a:r>
+            <a:r>
+              <a:rPr lang="en-US" altLang="ko-KR" dirty="0" smtClean="0"/>
+              <a:t>(4)</a:t>
+            </a:r>
             <a:endParaRPr lang="ko-KR" altLang="en-US" dirty="0"/>
+          </a:p>
+        </p:txBody>
+      </p:sp>
+      <p:pic>
+        <p:nvPicPr>
+          <p:cNvPr id="6" name="그림 5"/>
+          <p:cNvPicPr>
+            <a:picLocks noChangeAspect="1"/>
+          </p:cNvPicPr>
+          <p:nvPr/>
+        </p:nvPicPr>
+        <p:blipFill>
+          <a:blip r:embed="rId3"/>
+          <a:stretch>
+            <a:fillRect/>
+          </a:stretch>
+        </p:blipFill>
+        <p:spPr>
+          <a:xfrm>
+            <a:off x="2697696" y="2132856"/>
+            <a:ext cx="3672408" cy="2038957"/>
+          </a:xfrm>
+          <a:prstGeom prst="rect">
+            <a:avLst/>
+          </a:prstGeom>
+        </p:spPr>
+      </p:pic>
+      <p:sp>
+        <p:nvSpPr>
+          <p:cNvPr id="8" name="TextBox 7"/>
+          <p:cNvSpPr txBox="1"/>
+          <p:nvPr/>
+        </p:nvSpPr>
+        <p:spPr>
+          <a:xfrm>
+            <a:off x="2417775" y="4171813"/>
+            <a:ext cx="4232249" cy="276999"/>
+          </a:xfrm>
+          <a:prstGeom prst="rect">
+            <a:avLst/>
+          </a:prstGeom>
+          <a:noFill/>
+        </p:spPr>
+        <p:txBody>
+          <a:bodyPr wrap="none" rtlCol="0">
+            <a:spAutoFit/>
+          </a:bodyPr>
+          <a:lstStyle/>
+          <a:p>
+            <a:r>
+              <a:rPr lang="ko-KR" altLang="en-US" sz="1200" dirty="0" smtClean="0"/>
+              <a:t>그림</a:t>
+            </a:r>
+            <a:r>
+              <a:rPr lang="en-US" altLang="ko-KR" sz="1200" dirty="0" smtClean="0"/>
+              <a:t>16-1)  </a:t>
+            </a:r>
+            <a:r>
+              <a:rPr lang="ko-KR" altLang="en-US" sz="1200" dirty="0" err="1" smtClean="0"/>
+              <a:t>법선이</a:t>
+            </a:r>
+            <a:r>
+              <a:rPr lang="ko-KR" altLang="en-US" sz="1200" dirty="0" smtClean="0"/>
+              <a:t> </a:t>
+            </a:r>
+            <a:r>
+              <a:rPr lang="en-US" altLang="ko-KR" sz="1200" dirty="0" smtClean="0"/>
+              <a:t>h</a:t>
+            </a:r>
+            <a:r>
+              <a:rPr lang="ko-KR" altLang="en-US" sz="1200" dirty="0" smtClean="0"/>
+              <a:t>인 </a:t>
+            </a:r>
+            <a:r>
+              <a:rPr lang="ko-KR" altLang="en-US" sz="1200" dirty="0" err="1" smtClean="0"/>
+              <a:t>미세면들이</a:t>
+            </a:r>
+            <a:r>
+              <a:rPr lang="ko-KR" altLang="en-US" sz="1200" dirty="0" smtClean="0"/>
+              <a:t> </a:t>
+            </a:r>
+            <a:r>
+              <a:rPr lang="en-US" altLang="ko-KR" sz="1200" dirty="0" smtClean="0"/>
+              <a:t>L</a:t>
+            </a:r>
+            <a:r>
+              <a:rPr lang="ko-KR" altLang="en-US" sz="1200" dirty="0" smtClean="0"/>
+              <a:t>을 </a:t>
+            </a:r>
+            <a:r>
+              <a:rPr lang="en-US" altLang="ko-KR" sz="1200" dirty="0" smtClean="0"/>
+              <a:t>v </a:t>
+            </a:r>
+            <a:r>
+              <a:rPr lang="ko-KR" altLang="en-US" sz="1200" dirty="0" smtClean="0"/>
+              <a:t>방향으로 반사함</a:t>
+            </a:r>
+            <a:r>
+              <a:rPr lang="en-US" altLang="ko-KR" sz="1200" dirty="0" smtClean="0"/>
+              <a:t>.</a:t>
+            </a:r>
+            <a:endParaRPr lang="ko-KR" altLang="en-US" sz="1200" dirty="0"/>
           </a:p>
         </p:txBody>
       </p:sp>
@@ -11277,6 +12320,1892 @@
 </file>
 
 <file path=ppt/slides/slide22.xml><?xml version="1.0" encoding="utf-8"?>
+<p:sld xmlns:a="http://schemas.openxmlformats.org/drawingml/2006/main" xmlns:r="http://schemas.openxmlformats.org/officeDocument/2006/relationships" xmlns:p="http://schemas.openxmlformats.org/presentationml/2006/main">
+  <p:cSld>
+    <p:spTree>
+      <p:nvGrpSpPr>
+        <p:cNvPr id="1" name=""/>
+        <p:cNvGrpSpPr/>
+        <p:nvPr/>
+      </p:nvGrpSpPr>
+      <p:grpSpPr>
+        <a:xfrm>
+          <a:off x="0" y="0"/>
+          <a:ext cx="0" cy="0"/>
+          <a:chOff x="0" y="0"/>
+          <a:chExt cx="0" cy="0"/>
+        </a:xfrm>
+      </p:grpSpPr>
+      <mc:AlternateContent xmlns:mc="http://schemas.openxmlformats.org/markup-compatibility/2006">
+        <mc:Choice xmlns:a14="http://schemas.microsoft.com/office/drawing/2010/main" Requires="a14">
+          <p:sp>
+            <p:nvSpPr>
+              <p:cNvPr id="2" name="내용 개체 틀 1"/>
+              <p:cNvSpPr>
+                <a:spLocks noGrp="1"/>
+              </p:cNvSpPr>
+              <p:nvPr>
+                <p:ph idx="1"/>
+              </p:nvPr>
+            </p:nvSpPr>
+            <p:spPr/>
+            <p:txBody>
+              <a:bodyPr/>
+              <a:lstStyle/>
+              <a:p>
+                <a14:m>
+                  <m:oMath xmlns:m="http://schemas.openxmlformats.org/officeDocument/2006/math">
+                    <m:r>
+                      <a:rPr lang="ko-KR" altLang="en-US" i="1" smtClean="0">
+                        <a:latin typeface="Cambria Math" panose="02040503050406030204" pitchFamily="18" charset="0"/>
+                      </a:rPr>
+                      <m:t>𝜌</m:t>
+                    </m:r>
+                    <m:d>
+                      <m:dPr>
+                        <m:ctrlPr>
+                          <a:rPr lang="en-US" altLang="ko-KR" i="1" smtClean="0">
+                            <a:latin typeface="Cambria Math" panose="02040503050406030204" pitchFamily="18" charset="0"/>
+                          </a:rPr>
+                        </m:ctrlPr>
+                      </m:dPr>
+                      <m:e>
+                        <m:sSub>
+                          <m:sSubPr>
+                            <m:ctrlPr>
+                              <a:rPr lang="en-US" altLang="ko-KR" i="1">
+                                <a:latin typeface="Cambria Math" panose="02040503050406030204" pitchFamily="18" charset="0"/>
+                              </a:rPr>
+                            </m:ctrlPr>
+                          </m:sSubPr>
+                          <m:e>
+                            <m:r>
+                              <a:rPr lang="ko-KR" altLang="en-US" i="1">
+                                <a:latin typeface="Cambria Math" panose="02040503050406030204" pitchFamily="18" charset="0"/>
+                              </a:rPr>
+                              <m:t>𝜃</m:t>
+                            </m:r>
+                          </m:e>
+                          <m:sub>
+                            <m:r>
+                              <a:rPr lang="en-US" altLang="ko-KR" i="1">
+                                <a:latin typeface="Cambria Math" panose="02040503050406030204" pitchFamily="18" charset="0"/>
+                              </a:rPr>
+                              <m:t>h</m:t>
+                            </m:r>
+                          </m:sub>
+                        </m:sSub>
+                      </m:e>
+                    </m:d>
+                  </m:oMath>
+                </a14:m>
+                <a:r>
+                  <a:rPr lang="ko-KR" altLang="en-US" dirty="0" smtClean="0"/>
+                  <a:t>의 정규화 계수</a:t>
+                </a:r>
+                <a:endParaRPr lang="en-US" altLang="ko-KR" dirty="0"/>
+              </a:p>
+              <a:p>
+                <a:pPr lvl="1"/>
+                <a:r>
+                  <a:rPr lang="ko-KR" altLang="en-US" dirty="0" smtClean="0"/>
+                  <a:t>빛의 에너지를 보존하기 위해 정규화 계수 기</a:t>
+                </a:r>
+                <a14:m>
+                  <m:oMath xmlns:m="http://schemas.openxmlformats.org/officeDocument/2006/math">
+                    <m:r>
+                      <a:rPr lang="ko-KR" altLang="en-US" b="0" i="1" dirty="0">
+                        <a:latin typeface="Cambria Math" panose="02040503050406030204" pitchFamily="18" charset="0"/>
+                      </a:rPr>
+                      <m:t>존</m:t>
+                    </m:r>
+                    <m:r>
+                      <a:rPr lang="en-US" altLang="ko-KR" b="0" i="1" dirty="0" smtClean="0">
+                        <a:latin typeface="Cambria Math" panose="02040503050406030204" pitchFamily="18" charset="0"/>
+                      </a:rPr>
+                      <m:t> </m:t>
+                    </m:r>
+                    <m:r>
+                      <a:rPr lang="ko-KR" altLang="en-US" i="1" dirty="0">
+                        <a:latin typeface="Cambria Math" panose="02040503050406030204" pitchFamily="18" charset="0"/>
+                      </a:rPr>
+                      <m:t>식</m:t>
+                    </m:r>
+                    <m:r>
+                      <a:rPr lang="ko-KR" altLang="en-US" i="1" dirty="0" smtClean="0">
+                        <a:latin typeface="Cambria Math" panose="02040503050406030204" pitchFamily="18" charset="0"/>
+                      </a:rPr>
+                      <m:t>에</m:t>
+                    </m:r>
+                  </m:oMath>
+                </a14:m>
+                <a:r>
+                  <a:rPr lang="en-US" altLang="ko-KR" i="1" dirty="0" smtClean="0">
+                    <a:latin typeface="Cambria Math" panose="02040503050406030204" pitchFamily="18" charset="0"/>
+                  </a:rPr>
+                  <a:t/>
+                </a:r>
+                <a:br>
+                  <a:rPr lang="en-US" altLang="ko-KR" i="1" dirty="0" smtClean="0">
+                    <a:latin typeface="Cambria Math" panose="02040503050406030204" pitchFamily="18" charset="0"/>
+                  </a:rPr>
+                </a:br>
+                <a14:m>
+                  <m:oMath xmlns:m="http://schemas.openxmlformats.org/officeDocument/2006/math">
+                    <m:r>
+                      <a:rPr lang="en-US" altLang="ko-KR" b="0" i="1" smtClean="0">
+                        <a:latin typeface="Cambria Math" panose="02040503050406030204" pitchFamily="18" charset="0"/>
+                      </a:rPr>
+                      <m:t>(</m:t>
+                    </m:r>
+                    <m:r>
+                      <a:rPr lang="en-US" altLang="ko-KR" b="0" i="1" smtClean="0">
+                        <a:latin typeface="Cambria Math" panose="02040503050406030204" pitchFamily="18" charset="0"/>
+                      </a:rPr>
+                      <m:t>𝑚</m:t>
+                    </m:r>
+                    <m:r>
+                      <a:rPr lang="en-US" altLang="ko-KR" b="0" i="1" smtClean="0">
+                        <a:latin typeface="Cambria Math" panose="02040503050406030204" pitchFamily="18" charset="0"/>
+                      </a:rPr>
+                      <m:t>+8)/8</m:t>
+                    </m:r>
+                  </m:oMath>
+                </a14:m>
+                <a:r>
+                  <a:rPr lang="ko-KR" altLang="en-US" dirty="0" smtClean="0"/>
+                  <a:t>을 추가함</a:t>
+                </a:r>
+                <a:r>
+                  <a:rPr lang="en-US" altLang="ko-KR" dirty="0" smtClean="0"/>
+                  <a:t>.</a:t>
+                </a:r>
+              </a:p>
+              <a:p>
+                <a:pPr lvl="1"/>
+                <a:endParaRPr lang="en-US" altLang="ko-KR" dirty="0"/>
+              </a:p>
+              <a:p>
+                <a:pPr lvl="1"/>
+                <a:endParaRPr lang="en-US" altLang="ko-KR" dirty="0" smtClean="0"/>
+              </a:p>
+              <a:p>
+                <a:pPr lvl="1"/>
+                <a:endParaRPr lang="en-US" altLang="ko-KR" dirty="0"/>
+              </a:p>
+              <a:p>
+                <a:pPr lvl="1"/>
+                <a:endParaRPr lang="en-US" altLang="ko-KR" dirty="0" smtClean="0"/>
+              </a:p>
+              <a:p>
+                <a:pPr lvl="1"/>
+                <a:endParaRPr lang="en-US" altLang="ko-KR" dirty="0"/>
+              </a:p>
+              <a:p>
+                <a:pPr lvl="1"/>
+                <a:endParaRPr lang="en-US" altLang="ko-KR" dirty="0" smtClean="0"/>
+              </a:p>
+              <a:p>
+                <a:pPr lvl="1"/>
+                <a:endParaRPr lang="en-US" altLang="ko-KR" dirty="0"/>
+              </a:p>
+              <a:p>
+                <a:pPr lvl="1"/>
+                <a:endParaRPr lang="en-US" altLang="ko-KR" dirty="0" smtClean="0"/>
+              </a:p>
+              <a:p>
+                <a:pPr lvl="1"/>
+                <a:r>
+                  <a:rPr lang="en-US" altLang="ko-KR" dirty="0" smtClean="0"/>
+                  <a:t>m </a:t>
+                </a:r>
+                <a:r>
+                  <a:rPr lang="ko-KR" altLang="en-US" dirty="0" smtClean="0"/>
+                  <a:t>↓ </a:t>
+                </a:r>
+                <a:r>
+                  <a:rPr lang="en-US" altLang="ko-KR" dirty="0" smtClean="0">
+                    <a:sym typeface="Wingdings" panose="05000000000000000000" pitchFamily="2" charset="2"/>
+                  </a:rPr>
+                  <a:t> </a:t>
+                </a:r>
+                <a:r>
+                  <a:rPr lang="ko-KR" altLang="en-US" dirty="0" smtClean="0">
+                    <a:sym typeface="Wingdings" panose="05000000000000000000" pitchFamily="2" charset="2"/>
+                  </a:rPr>
+                  <a:t>거칠기 ↑ </a:t>
+                </a:r>
+                <a:r>
+                  <a:rPr lang="en-US" altLang="ko-KR" dirty="0" smtClean="0">
+                    <a:sym typeface="Wingdings" panose="05000000000000000000" pitchFamily="2" charset="2"/>
+                  </a:rPr>
+                  <a:t> </a:t>
+                </a:r>
+                <a:r>
+                  <a:rPr lang="ko-KR" altLang="en-US" dirty="0" smtClean="0">
+                    <a:sym typeface="Wingdings" panose="05000000000000000000" pitchFamily="2" charset="2"/>
+                  </a:rPr>
+                  <a:t>반영 돌출부 ↑</a:t>
+                </a:r>
+                <a:endParaRPr lang="en-US" altLang="ko-KR" dirty="0" smtClean="0">
+                  <a:sym typeface="Wingdings" panose="05000000000000000000" pitchFamily="2" charset="2"/>
+                </a:endParaRPr>
+              </a:p>
+              <a:p>
+                <a:pPr lvl="1"/>
+                <a:r>
+                  <a:rPr lang="en-US" altLang="ko-KR" dirty="0"/>
+                  <a:t>m </a:t>
+                </a:r>
+                <a:r>
+                  <a:rPr lang="ko-KR" altLang="en-US" dirty="0" smtClean="0"/>
+                  <a:t>↑ </a:t>
+                </a:r>
+                <a:r>
+                  <a:rPr lang="en-US" altLang="ko-KR" dirty="0">
+                    <a:sym typeface="Wingdings" panose="05000000000000000000" pitchFamily="2" charset="2"/>
+                  </a:rPr>
+                  <a:t> </a:t>
+                </a:r>
+                <a:r>
+                  <a:rPr lang="ko-KR" altLang="en-US" dirty="0">
+                    <a:sym typeface="Wingdings" panose="05000000000000000000" pitchFamily="2" charset="2"/>
+                  </a:rPr>
+                  <a:t>거칠기 </a:t>
+                </a:r>
+                <a:r>
+                  <a:rPr lang="ko-KR" altLang="en-US" dirty="0" smtClean="0">
+                    <a:sym typeface="Wingdings" panose="05000000000000000000" pitchFamily="2" charset="2"/>
+                  </a:rPr>
+                  <a:t>↓ </a:t>
+                </a:r>
+                <a:r>
+                  <a:rPr lang="en-US" altLang="ko-KR" dirty="0">
+                    <a:sym typeface="Wingdings" panose="05000000000000000000" pitchFamily="2" charset="2"/>
+                  </a:rPr>
+                  <a:t> </a:t>
+                </a:r>
+                <a:r>
+                  <a:rPr lang="ko-KR" altLang="en-US" dirty="0">
+                    <a:sym typeface="Wingdings" panose="05000000000000000000" pitchFamily="2" charset="2"/>
+                  </a:rPr>
+                  <a:t>반영 돌출부 </a:t>
+                </a:r>
+                <a:r>
+                  <a:rPr lang="ko-KR" altLang="en-US" dirty="0" smtClean="0">
+                    <a:sym typeface="Wingdings" panose="05000000000000000000" pitchFamily="2" charset="2"/>
+                  </a:rPr>
+                  <a:t>↓</a:t>
+                </a:r>
+                <a:endParaRPr lang="en-US" altLang="ko-KR" dirty="0"/>
+              </a:p>
+              <a:p>
+                <a:pPr lvl="1"/>
+                <a:endParaRPr lang="en-US" altLang="ko-KR" dirty="0" smtClean="0"/>
+              </a:p>
+              <a:p>
+                <a:pPr lvl="1"/>
+                <a:endParaRPr lang="en-US" altLang="ko-KR" dirty="0" smtClean="0"/>
+              </a:p>
+              <a:p>
+                <a:pPr lvl="1"/>
+                <a:endParaRPr lang="en-US" altLang="ko-KR" dirty="0"/>
+              </a:p>
+              <a:p>
+                <a:pPr lvl="1"/>
+                <a:endParaRPr lang="ko-KR" altLang="en-US" dirty="0"/>
+              </a:p>
+            </p:txBody>
+          </p:sp>
+        </mc:Choice>
+        <mc:Fallback>
+          <p:sp>
+            <p:nvSpPr>
+              <p:cNvPr id="2" name="내용 개체 틀 1"/>
+              <p:cNvSpPr>
+                <a:spLocks noGrp="1" noRot="1" noChangeAspect="1" noMove="1" noResize="1" noEditPoints="1" noAdjustHandles="1" noChangeArrowheads="1" noChangeShapeType="1" noTextEdit="1"/>
+              </p:cNvSpPr>
+              <p:nvPr>
+                <p:ph idx="1"/>
+              </p:nvPr>
+            </p:nvSpPr>
+            <p:spPr>
+              <a:blipFill rotWithShape="0">
+                <a:blip r:embed="rId2"/>
+                <a:stretch>
+                  <a:fillRect t="-1053"/>
+                </a:stretch>
+              </a:blipFill>
+            </p:spPr>
+            <p:txBody>
+              <a:bodyPr/>
+              <a:lstStyle/>
+              <a:p>
+                <a:r>
+                  <a:rPr lang="ko-KR" altLang="en-US">
+                    <a:noFill/>
+                  </a:rPr>
+                  <a:t> </a:t>
+                </a:r>
+              </a:p>
+            </p:txBody>
+          </p:sp>
+        </mc:Fallback>
+      </mc:AlternateContent>
+      <p:sp>
+        <p:nvSpPr>
+          <p:cNvPr id="3" name="날짜 개체 틀 2"/>
+          <p:cNvSpPr>
+            <a:spLocks noGrp="1"/>
+          </p:cNvSpPr>
+          <p:nvPr>
+            <p:ph type="dt" sz="half" idx="10"/>
+          </p:nvPr>
+        </p:nvSpPr>
+        <p:spPr/>
+        <p:txBody>
+          <a:bodyPr/>
+          <a:lstStyle/>
+          <a:p>
+            <a:r>
+              <a:rPr lang="en-US" altLang="ko-KR" dirty="0" smtClean="0"/>
+              <a:t>July 27, 2017</a:t>
+            </a:r>
+            <a:endParaRPr lang="en-US" altLang="ko-KR" dirty="0"/>
+          </a:p>
+        </p:txBody>
+      </p:sp>
+      <p:sp>
+        <p:nvSpPr>
+          <p:cNvPr id="4" name="슬라이드 번호 개체 틀 3"/>
+          <p:cNvSpPr>
+            <a:spLocks noGrp="1"/>
+          </p:cNvSpPr>
+          <p:nvPr>
+            <p:ph type="sldNum" sz="quarter" idx="12"/>
+          </p:nvPr>
+        </p:nvSpPr>
+        <p:spPr/>
+        <p:txBody>
+          <a:bodyPr/>
+          <a:lstStyle/>
+          <a:p>
+            <a:fld id="{D76F9267-2D5F-45F1-BD25-FFF3434FBB3D}" type="slidenum">
+              <a:rPr lang="ko-KR" altLang="en-US" smtClean="0"/>
+              <a:pPr/>
+              <a:t>22</a:t>
+            </a:fld>
+            <a:endParaRPr lang="ko-KR" altLang="en-US"/>
+          </a:p>
+        </p:txBody>
+      </p:sp>
+      <p:sp>
+        <p:nvSpPr>
+          <p:cNvPr id="5" name="제목 4"/>
+          <p:cNvSpPr>
+            <a:spLocks noGrp="1"/>
+          </p:cNvSpPr>
+          <p:nvPr>
+            <p:ph type="title"/>
+          </p:nvPr>
+        </p:nvSpPr>
+        <p:spPr/>
+        <p:txBody>
+          <a:bodyPr>
+            <a:normAutofit fontScale="90000"/>
+          </a:bodyPr>
+          <a:lstStyle/>
+          <a:p>
+            <a:r>
+              <a:rPr lang="en-US" altLang="ko-KR" dirty="0"/>
+              <a:t>Specular Lighting </a:t>
+            </a:r>
+            <a:r>
+              <a:rPr lang="en-US" altLang="ko-KR" dirty="0" smtClean="0"/>
+              <a:t>(5)</a:t>
+            </a:r>
+            <a:endParaRPr lang="ko-KR" altLang="en-US" dirty="0"/>
+          </a:p>
+        </p:txBody>
+      </p:sp>
+      <p:pic>
+        <p:nvPicPr>
+          <p:cNvPr id="6" name="그림 5"/>
+          <p:cNvPicPr>
+            <a:picLocks noChangeAspect="1"/>
+          </p:cNvPicPr>
+          <p:nvPr/>
+        </p:nvPicPr>
+        <p:blipFill>
+          <a:blip r:embed="rId3"/>
+          <a:stretch>
+            <a:fillRect/>
+          </a:stretch>
+        </p:blipFill>
+        <p:spPr>
+          <a:xfrm>
+            <a:off x="313717" y="1964911"/>
+            <a:ext cx="4320480" cy="2827227"/>
+          </a:xfrm>
+          <a:prstGeom prst="rect">
+            <a:avLst/>
+          </a:prstGeom>
+        </p:spPr>
+      </p:pic>
+      <p:pic>
+        <p:nvPicPr>
+          <p:cNvPr id="7" name="그림 6"/>
+          <p:cNvPicPr>
+            <a:picLocks noChangeAspect="1"/>
+          </p:cNvPicPr>
+          <p:nvPr/>
+        </p:nvPicPr>
+        <p:blipFill>
+          <a:blip r:embed="rId4"/>
+          <a:stretch>
+            <a:fillRect/>
+          </a:stretch>
+        </p:blipFill>
+        <p:spPr>
+          <a:xfrm>
+            <a:off x="4634197" y="1975798"/>
+            <a:ext cx="4357403" cy="2755219"/>
+          </a:xfrm>
+          <a:prstGeom prst="rect">
+            <a:avLst/>
+          </a:prstGeom>
+        </p:spPr>
+      </p:pic>
+      <p:sp>
+        <p:nvSpPr>
+          <p:cNvPr id="8" name="TextBox 7"/>
+          <p:cNvSpPr txBox="1"/>
+          <p:nvPr/>
+        </p:nvSpPr>
+        <p:spPr>
+          <a:xfrm>
+            <a:off x="4448484" y="4777400"/>
+            <a:ext cx="4695516" cy="276999"/>
+          </a:xfrm>
+          <a:prstGeom prst="rect">
+            <a:avLst/>
+          </a:prstGeom>
+          <a:noFill/>
+        </p:spPr>
+        <p:txBody>
+          <a:bodyPr wrap="none" rtlCol="0">
+            <a:spAutoFit/>
+          </a:bodyPr>
+          <a:lstStyle/>
+          <a:p>
+            <a:r>
+              <a:rPr lang="ko-KR" altLang="en-US" sz="1200" dirty="0" smtClean="0"/>
+              <a:t>그림</a:t>
+            </a:r>
+            <a:r>
+              <a:rPr lang="en-US" altLang="ko-KR" sz="1200" dirty="0" smtClean="0"/>
+              <a:t>17-2) </a:t>
+            </a:r>
+            <a:r>
+              <a:rPr lang="ko-KR" altLang="en-US" sz="1200" dirty="0" smtClean="0"/>
+              <a:t>표면 거칠기에 의한 빛의 반영 반사를 모형화하는 함수</a:t>
+            </a:r>
+            <a:endParaRPr lang="ko-KR" altLang="en-US" sz="1200" dirty="0"/>
+          </a:p>
+        </p:txBody>
+      </p:sp>
+      <p:sp>
+        <p:nvSpPr>
+          <p:cNvPr id="9" name="TextBox 8"/>
+          <p:cNvSpPr txBox="1"/>
+          <p:nvPr/>
+        </p:nvSpPr>
+        <p:spPr>
+          <a:xfrm>
+            <a:off x="1025981" y="4777401"/>
+            <a:ext cx="3118161" cy="276999"/>
+          </a:xfrm>
+          <a:prstGeom prst="rect">
+            <a:avLst/>
+          </a:prstGeom>
+          <a:noFill/>
+        </p:spPr>
+        <p:txBody>
+          <a:bodyPr wrap="none" rtlCol="0">
+            <a:spAutoFit/>
+          </a:bodyPr>
+          <a:lstStyle/>
+          <a:p>
+            <a:r>
+              <a:rPr lang="ko-KR" altLang="en-US" sz="1200" dirty="0" smtClean="0"/>
+              <a:t>그림</a:t>
+            </a:r>
+            <a:r>
+              <a:rPr lang="en-US" altLang="ko-KR" sz="1200" dirty="0" smtClean="0"/>
+              <a:t>17-1) </a:t>
+            </a:r>
+            <a:r>
+              <a:rPr lang="ko-KR" altLang="en-US" sz="1200" dirty="0" smtClean="0"/>
+              <a:t>표면 거칠기를 모형화하는 함수</a:t>
+            </a:r>
+            <a:endParaRPr lang="ko-KR" altLang="en-US" sz="1200" dirty="0"/>
+          </a:p>
+        </p:txBody>
+      </p:sp>
+    </p:spTree>
+    <p:extLst>
+      <p:ext uri="{BB962C8B-B14F-4D97-AF65-F5344CB8AC3E}">
+        <p14:creationId xmlns:p14="http://schemas.microsoft.com/office/powerpoint/2010/main" val="3198505193"/>
+      </p:ext>
+    </p:extLst>
+  </p:cSld>
+  <p:clrMapOvr>
+    <a:masterClrMapping/>
+  </p:clrMapOvr>
+  <p:timing>
+    <p:tnLst>
+      <p:par>
+        <p:cTn id="1" dur="indefinite" restart="never" nodeType="tmRoot"/>
+      </p:par>
+    </p:tnLst>
+  </p:timing>
+</p:sld>
+</file>
+
+<file path=ppt/slides/slide23.xml><?xml version="1.0" encoding="utf-8"?>
+<p:sld xmlns:a="http://schemas.openxmlformats.org/drawingml/2006/main" xmlns:r="http://schemas.openxmlformats.org/officeDocument/2006/relationships" xmlns:p="http://schemas.openxmlformats.org/presentationml/2006/main">
+  <p:cSld>
+    <p:spTree>
+      <p:nvGrpSpPr>
+        <p:cNvPr id="1" name=""/>
+        <p:cNvGrpSpPr/>
+        <p:nvPr/>
+      </p:nvGrpSpPr>
+      <p:grpSpPr>
+        <a:xfrm>
+          <a:off x="0" y="0"/>
+          <a:ext cx="0" cy="0"/>
+          <a:chOff x="0" y="0"/>
+          <a:chExt cx="0" cy="0"/>
+        </a:xfrm>
+      </p:grpSpPr>
+      <p:sp>
+        <p:nvSpPr>
+          <p:cNvPr id="2" name="내용 개체 틀 1"/>
+          <p:cNvSpPr>
+            <a:spLocks noGrp="1"/>
+          </p:cNvSpPr>
+          <p:nvPr>
+            <p:ph idx="1"/>
+          </p:nvPr>
+        </p:nvSpPr>
+        <p:spPr/>
+        <p:txBody>
+          <a:bodyPr/>
+          <a:lstStyle/>
+          <a:p>
+            <a:r>
+              <a:rPr lang="ko-KR" altLang="en-US" dirty="0" err="1" smtClean="0"/>
+              <a:t>프레넬</a:t>
+            </a:r>
+            <a:r>
+              <a:rPr lang="ko-KR" altLang="en-US" dirty="0" smtClean="0"/>
+              <a:t> 반사와 표면 거칠기 결합 공식</a:t>
+            </a:r>
+            <a:endParaRPr lang="en-US" altLang="ko-KR" dirty="0"/>
+          </a:p>
+          <a:p>
+            <a:pPr marL="109728" indent="0">
+              <a:buNone/>
+            </a:pPr>
+            <a:r>
+              <a:rPr lang="en-US" altLang="ko-KR" dirty="0" smtClean="0">
+                <a:sym typeface="Wingdings" panose="05000000000000000000" pitchFamily="2" charset="2"/>
+              </a:rPr>
+              <a:t> </a:t>
+            </a:r>
+            <a:endParaRPr lang="en-US" altLang="ko-KR" dirty="0" smtClean="0"/>
+          </a:p>
+        </p:txBody>
+      </p:sp>
+      <p:sp>
+        <p:nvSpPr>
+          <p:cNvPr id="3" name="날짜 개체 틀 2"/>
+          <p:cNvSpPr>
+            <a:spLocks noGrp="1"/>
+          </p:cNvSpPr>
+          <p:nvPr>
+            <p:ph type="dt" sz="half" idx="10"/>
+          </p:nvPr>
+        </p:nvSpPr>
+        <p:spPr/>
+        <p:txBody>
+          <a:bodyPr/>
+          <a:lstStyle/>
+          <a:p>
+            <a:r>
+              <a:rPr lang="en-US" altLang="ko-KR" smtClean="0"/>
+              <a:t>July 27, 2017</a:t>
+            </a:r>
+            <a:endParaRPr lang="en-US" altLang="ko-KR" dirty="0"/>
+          </a:p>
+        </p:txBody>
+      </p:sp>
+      <p:sp>
+        <p:nvSpPr>
+          <p:cNvPr id="4" name="슬라이드 번호 개체 틀 3"/>
+          <p:cNvSpPr>
+            <a:spLocks noGrp="1"/>
+          </p:cNvSpPr>
+          <p:nvPr>
+            <p:ph type="sldNum" sz="quarter" idx="12"/>
+          </p:nvPr>
+        </p:nvSpPr>
+        <p:spPr/>
+        <p:txBody>
+          <a:bodyPr/>
+          <a:lstStyle/>
+          <a:p>
+            <a:fld id="{D76F9267-2D5F-45F1-BD25-FFF3434FBB3D}" type="slidenum">
+              <a:rPr lang="ko-KR" altLang="en-US" smtClean="0"/>
+              <a:pPr/>
+              <a:t>23</a:t>
+            </a:fld>
+            <a:endParaRPr lang="ko-KR" altLang="en-US"/>
+          </a:p>
+        </p:txBody>
+      </p:sp>
+      <p:sp>
+        <p:nvSpPr>
+          <p:cNvPr id="5" name="제목 4"/>
+          <p:cNvSpPr>
+            <a:spLocks noGrp="1"/>
+          </p:cNvSpPr>
+          <p:nvPr>
+            <p:ph type="title"/>
+          </p:nvPr>
+        </p:nvSpPr>
+        <p:spPr/>
+        <p:txBody>
+          <a:bodyPr>
+            <a:normAutofit fontScale="90000"/>
+          </a:bodyPr>
+          <a:lstStyle/>
+          <a:p>
+            <a:r>
+              <a:rPr lang="en-US" altLang="ko-KR" dirty="0"/>
+              <a:t>Specular Lighting </a:t>
+            </a:r>
+            <a:r>
+              <a:rPr lang="en-US" altLang="ko-KR" dirty="0" smtClean="0"/>
+              <a:t>(6)</a:t>
+            </a:r>
+            <a:endParaRPr lang="ko-KR" altLang="en-US" dirty="0"/>
+          </a:p>
+        </p:txBody>
+      </p:sp>
+      <p:pic>
+        <p:nvPicPr>
+          <p:cNvPr id="6" name="그림 5"/>
+          <p:cNvPicPr>
+            <a:picLocks noChangeAspect="1"/>
+          </p:cNvPicPr>
+          <p:nvPr/>
+        </p:nvPicPr>
+        <p:blipFill>
+          <a:blip r:embed="rId2"/>
+          <a:stretch>
+            <a:fillRect/>
+          </a:stretch>
+        </p:blipFill>
+        <p:spPr>
+          <a:xfrm>
+            <a:off x="1166812" y="2110740"/>
+            <a:ext cx="6734175" cy="4076700"/>
+          </a:xfrm>
+          <a:prstGeom prst="rect">
+            <a:avLst/>
+          </a:prstGeom>
+        </p:spPr>
+      </p:pic>
+      <p:pic>
+        <p:nvPicPr>
+          <p:cNvPr id="7" name="그림 6"/>
+          <p:cNvPicPr>
+            <a:picLocks noChangeAspect="1"/>
+          </p:cNvPicPr>
+          <p:nvPr/>
+        </p:nvPicPr>
+        <p:blipFill>
+          <a:blip r:embed="rId3"/>
+          <a:stretch>
+            <a:fillRect/>
+          </a:stretch>
+        </p:blipFill>
+        <p:spPr>
+          <a:xfrm>
+            <a:off x="611560" y="1215204"/>
+            <a:ext cx="4320480" cy="590736"/>
+          </a:xfrm>
+          <a:prstGeom prst="rect">
+            <a:avLst/>
+          </a:prstGeom>
+        </p:spPr>
+      </p:pic>
+    </p:spTree>
+    <p:extLst>
+      <p:ext uri="{BB962C8B-B14F-4D97-AF65-F5344CB8AC3E}">
+        <p14:creationId xmlns:p14="http://schemas.microsoft.com/office/powerpoint/2010/main" val="2476264569"/>
+      </p:ext>
+    </p:extLst>
+  </p:cSld>
+  <p:clrMapOvr>
+    <a:masterClrMapping/>
+  </p:clrMapOvr>
+  <p:timing>
+    <p:tnLst>
+      <p:par>
+        <p:cTn id="1" dur="indefinite" restart="never" nodeType="tmRoot"/>
+      </p:par>
+    </p:tnLst>
+  </p:timing>
+</p:sld>
+</file>
+
+<file path=ppt/slides/slide24.xml><?xml version="1.0" encoding="utf-8"?>
+<p:sld xmlns:a="http://schemas.openxmlformats.org/drawingml/2006/main" xmlns:r="http://schemas.openxmlformats.org/officeDocument/2006/relationships" xmlns:p="http://schemas.openxmlformats.org/presentationml/2006/main">
+  <p:cSld>
+    <p:spTree>
+      <p:nvGrpSpPr>
+        <p:cNvPr id="1" name=""/>
+        <p:cNvGrpSpPr/>
+        <p:nvPr/>
+      </p:nvGrpSpPr>
+      <p:grpSpPr>
+        <a:xfrm>
+          <a:off x="0" y="0"/>
+          <a:ext cx="0" cy="0"/>
+          <a:chOff x="0" y="0"/>
+          <a:chExt cx="0" cy="0"/>
+        </a:xfrm>
+      </p:grpSpPr>
+      <p:sp>
+        <p:nvSpPr>
+          <p:cNvPr id="2" name="내용 개체 틀 1"/>
+          <p:cNvSpPr>
+            <a:spLocks noGrp="1"/>
+          </p:cNvSpPr>
+          <p:nvPr>
+            <p:ph idx="1"/>
+          </p:nvPr>
+        </p:nvSpPr>
+        <p:spPr/>
+        <p:txBody>
+          <a:bodyPr/>
+          <a:lstStyle/>
+          <a:p>
+            <a:r>
+              <a:rPr lang="ko-KR" altLang="en-US" dirty="0" err="1" smtClean="0"/>
+              <a:t>평행광</a:t>
+            </a:r>
+            <a:endParaRPr lang="en-US" altLang="ko-KR" dirty="0" smtClean="0"/>
+          </a:p>
+          <a:p>
+            <a:pPr lvl="1"/>
+            <a:r>
+              <a:rPr lang="ko-KR" altLang="en-US" dirty="0" smtClean="0"/>
+              <a:t>아주 멀리 있는 광원에서 온 빛을 </a:t>
+            </a:r>
+            <a:r>
+              <a:rPr lang="ko-KR" altLang="en-US" dirty="0" err="1" smtClean="0"/>
+              <a:t>군사함</a:t>
+            </a:r>
+            <a:r>
+              <a:rPr lang="en-US" altLang="ko-KR" dirty="0" smtClean="0"/>
+              <a:t>.</a:t>
+            </a:r>
+            <a:br>
+              <a:rPr lang="en-US" altLang="ko-KR" dirty="0" smtClean="0"/>
+            </a:br>
+            <a:r>
+              <a:rPr lang="ko-KR" altLang="en-US" dirty="0" smtClean="0"/>
+              <a:t>즉</a:t>
+            </a:r>
+            <a:r>
+              <a:rPr lang="en-US" altLang="ko-KR" dirty="0" smtClean="0"/>
+              <a:t>, </a:t>
+            </a:r>
+            <a:r>
+              <a:rPr lang="ko-KR" altLang="en-US" dirty="0" smtClean="0"/>
+              <a:t>모든 입사광선은 서로 </a:t>
+            </a:r>
+            <a:r>
+              <a:rPr lang="ko-KR" altLang="en-US" dirty="0" err="1" smtClean="0"/>
+              <a:t>평행하다고</a:t>
+            </a:r>
+            <a:r>
+              <a:rPr lang="ko-KR" altLang="en-US" dirty="0" smtClean="0"/>
+              <a:t> 가정</a:t>
+            </a:r>
+            <a:r>
+              <a:rPr lang="en-US" altLang="ko-KR" dirty="0" smtClean="0"/>
+              <a:t>.</a:t>
+            </a:r>
+          </a:p>
+          <a:p>
+            <a:pPr marL="393192" lvl="1" indent="0">
+              <a:buNone/>
+            </a:pPr>
+            <a:r>
+              <a:rPr lang="en-US" altLang="ko-KR" dirty="0" smtClean="0"/>
+              <a:t>   </a:t>
+            </a:r>
+          </a:p>
+          <a:p>
+            <a:pPr marL="393192" lvl="1" indent="0">
+              <a:buNone/>
+            </a:pPr>
+            <a:r>
+              <a:rPr lang="en-US" altLang="ko-KR" dirty="0"/>
+              <a:t> </a:t>
+            </a:r>
+            <a:r>
+              <a:rPr lang="en-US" altLang="ko-KR" dirty="0" smtClean="0"/>
+              <a:t>  EX) </a:t>
+            </a:r>
+            <a:r>
+              <a:rPr lang="ko-KR" altLang="en-US" dirty="0" smtClean="0"/>
+              <a:t>태양</a:t>
+            </a:r>
+            <a:endParaRPr lang="ko-KR" altLang="en-US" dirty="0"/>
+          </a:p>
+        </p:txBody>
+      </p:sp>
+      <p:sp>
+        <p:nvSpPr>
+          <p:cNvPr id="3" name="날짜 개체 틀 2"/>
+          <p:cNvSpPr>
+            <a:spLocks noGrp="1"/>
+          </p:cNvSpPr>
+          <p:nvPr>
+            <p:ph type="dt" sz="half" idx="10"/>
+          </p:nvPr>
+        </p:nvSpPr>
+        <p:spPr/>
+        <p:txBody>
+          <a:bodyPr/>
+          <a:lstStyle/>
+          <a:p>
+            <a:r>
+              <a:rPr lang="en-US" altLang="ko-KR" smtClean="0"/>
+              <a:t>July 27, 2017</a:t>
+            </a:r>
+            <a:endParaRPr lang="en-US" altLang="ko-KR" dirty="0"/>
+          </a:p>
+        </p:txBody>
+      </p:sp>
+      <p:sp>
+        <p:nvSpPr>
+          <p:cNvPr id="4" name="슬라이드 번호 개체 틀 3"/>
+          <p:cNvSpPr>
+            <a:spLocks noGrp="1"/>
+          </p:cNvSpPr>
+          <p:nvPr>
+            <p:ph type="sldNum" sz="quarter" idx="12"/>
+          </p:nvPr>
+        </p:nvSpPr>
+        <p:spPr/>
+        <p:txBody>
+          <a:bodyPr/>
+          <a:lstStyle/>
+          <a:p>
+            <a:fld id="{D76F9267-2D5F-45F1-BD25-FFF3434FBB3D}" type="slidenum">
+              <a:rPr lang="ko-KR" altLang="en-US" smtClean="0"/>
+              <a:pPr/>
+              <a:t>24</a:t>
+            </a:fld>
+            <a:endParaRPr lang="ko-KR" altLang="en-US"/>
+          </a:p>
+        </p:txBody>
+      </p:sp>
+      <p:sp>
+        <p:nvSpPr>
+          <p:cNvPr id="5" name="제목 4"/>
+          <p:cNvSpPr>
+            <a:spLocks noGrp="1"/>
+          </p:cNvSpPr>
+          <p:nvPr>
+            <p:ph type="title"/>
+          </p:nvPr>
+        </p:nvSpPr>
+        <p:spPr/>
+        <p:txBody>
+          <a:bodyPr>
+            <a:normAutofit fontScale="90000"/>
+          </a:bodyPr>
+          <a:lstStyle/>
+          <a:p>
+            <a:r>
+              <a:rPr lang="en-US" altLang="ko-KR" dirty="0" smtClean="0"/>
+              <a:t>Directional Light(</a:t>
+            </a:r>
+            <a:r>
+              <a:rPr lang="ko-KR" altLang="en-US" dirty="0" err="1" smtClean="0"/>
+              <a:t>평행광</a:t>
+            </a:r>
+            <a:r>
+              <a:rPr lang="en-US" altLang="ko-KR" dirty="0" smtClean="0"/>
+              <a:t>) </a:t>
+            </a:r>
+            <a:endParaRPr lang="ko-KR" altLang="en-US" dirty="0"/>
+          </a:p>
+        </p:txBody>
+      </p:sp>
+      <p:pic>
+        <p:nvPicPr>
+          <p:cNvPr id="7" name="그림 6"/>
+          <p:cNvPicPr>
+            <a:picLocks noChangeAspect="1"/>
+          </p:cNvPicPr>
+          <p:nvPr/>
+        </p:nvPicPr>
+        <p:blipFill>
+          <a:blip r:embed="rId2"/>
+          <a:stretch>
+            <a:fillRect/>
+          </a:stretch>
+        </p:blipFill>
+        <p:spPr>
+          <a:xfrm>
+            <a:off x="1547664" y="2996952"/>
+            <a:ext cx="6067425" cy="1533525"/>
+          </a:xfrm>
+          <a:prstGeom prst="rect">
+            <a:avLst/>
+          </a:prstGeom>
+        </p:spPr>
+      </p:pic>
+      <p:sp>
+        <p:nvSpPr>
+          <p:cNvPr id="8" name="TextBox 7"/>
+          <p:cNvSpPr txBox="1"/>
+          <p:nvPr/>
+        </p:nvSpPr>
+        <p:spPr>
+          <a:xfrm>
+            <a:off x="2915816" y="4544377"/>
+            <a:ext cx="3320140" cy="276999"/>
+          </a:xfrm>
+          <a:prstGeom prst="rect">
+            <a:avLst/>
+          </a:prstGeom>
+          <a:noFill/>
+        </p:spPr>
+        <p:txBody>
+          <a:bodyPr wrap="none" rtlCol="0">
+            <a:spAutoFit/>
+          </a:bodyPr>
+          <a:lstStyle/>
+          <a:p>
+            <a:r>
+              <a:rPr lang="ko-KR" altLang="en-US" sz="1200" dirty="0" smtClean="0"/>
+              <a:t>그림</a:t>
+            </a:r>
+            <a:r>
+              <a:rPr lang="en-US" altLang="ko-KR" sz="1200" dirty="0" smtClean="0"/>
+              <a:t>18-1) </a:t>
+            </a:r>
+            <a:r>
+              <a:rPr lang="ko-KR" altLang="en-US" sz="1200" dirty="0" smtClean="0"/>
+              <a:t>태양 광선들은 근사적으로 평행함</a:t>
+            </a:r>
+            <a:r>
+              <a:rPr lang="en-US" altLang="ko-KR" sz="1200" dirty="0" smtClean="0"/>
+              <a:t>.</a:t>
+            </a:r>
+            <a:endParaRPr lang="ko-KR" altLang="en-US" sz="1200" dirty="0"/>
+          </a:p>
+        </p:txBody>
+      </p:sp>
+    </p:spTree>
+    <p:extLst>
+      <p:ext uri="{BB962C8B-B14F-4D97-AF65-F5344CB8AC3E}">
+        <p14:creationId xmlns:p14="http://schemas.microsoft.com/office/powerpoint/2010/main" val="1557255541"/>
+      </p:ext>
+    </p:extLst>
+  </p:cSld>
+  <p:clrMapOvr>
+    <a:masterClrMapping/>
+  </p:clrMapOvr>
+</p:sld>
+</file>
+
+<file path=ppt/slides/slide25.xml><?xml version="1.0" encoding="utf-8"?>
+<p:sld xmlns:a="http://schemas.openxmlformats.org/drawingml/2006/main" xmlns:r="http://schemas.openxmlformats.org/officeDocument/2006/relationships" xmlns:p="http://schemas.openxmlformats.org/presentationml/2006/main">
+  <p:cSld>
+    <p:spTree>
+      <p:nvGrpSpPr>
+        <p:cNvPr id="1" name=""/>
+        <p:cNvGrpSpPr/>
+        <p:nvPr/>
+      </p:nvGrpSpPr>
+      <p:grpSpPr>
+        <a:xfrm>
+          <a:off x="0" y="0"/>
+          <a:ext cx="0" cy="0"/>
+          <a:chOff x="0" y="0"/>
+          <a:chExt cx="0" cy="0"/>
+        </a:xfrm>
+      </p:grpSpPr>
+      <mc:AlternateContent xmlns:mc="http://schemas.openxmlformats.org/markup-compatibility/2006">
+        <mc:Choice xmlns:a14="http://schemas.microsoft.com/office/drawing/2010/main" Requires="a14">
+          <p:sp>
+            <p:nvSpPr>
+              <p:cNvPr id="2" name="내용 개체 틀 1"/>
+              <p:cNvSpPr>
+                <a:spLocks noGrp="1"/>
+              </p:cNvSpPr>
+              <p:nvPr>
+                <p:ph idx="1"/>
+              </p:nvPr>
+            </p:nvSpPr>
+            <p:spPr/>
+            <p:txBody>
+              <a:bodyPr/>
+              <a:lstStyle/>
+              <a:p>
+                <a:r>
+                  <a:rPr lang="ko-KR" altLang="en-US" dirty="0" smtClean="0"/>
+                  <a:t>점광</a:t>
+                </a:r>
+                <a:endParaRPr lang="en-US" altLang="ko-KR" dirty="0" smtClean="0"/>
+              </a:p>
+              <a:p>
+                <a:pPr lvl="1"/>
+                <a:r>
+                  <a:rPr lang="ko-KR" altLang="en-US" dirty="0" smtClean="0"/>
+                  <a:t>빛을 모든 방향으로 뿜어냄</a:t>
+                </a:r>
+                <a:r>
+                  <a:rPr lang="en-US" altLang="ko-KR" dirty="0" smtClean="0"/>
+                  <a:t>.</a:t>
+                </a:r>
+                <a:br>
+                  <a:rPr lang="en-US" altLang="ko-KR" dirty="0" smtClean="0"/>
+                </a:br>
+                <a:r>
+                  <a:rPr lang="en-US" altLang="ko-KR" dirty="0" smtClean="0"/>
+                  <a:t> EX) </a:t>
+                </a:r>
+                <a:r>
+                  <a:rPr lang="ko-KR" altLang="en-US" dirty="0" smtClean="0"/>
+                  <a:t>전구</a:t>
+                </a:r>
+                <a:endParaRPr lang="en-US" altLang="ko-KR" dirty="0" smtClean="0"/>
+              </a:p>
+              <a:p>
+                <a:pPr lvl="1"/>
+                <a:endParaRPr lang="en-US" altLang="ko-KR" dirty="0"/>
+              </a:p>
+              <a:p>
+                <a:pPr lvl="1"/>
+                <a:endParaRPr lang="en-US" altLang="ko-KR" dirty="0" smtClean="0"/>
+              </a:p>
+              <a:p>
+                <a:pPr lvl="1"/>
+                <a:endParaRPr lang="en-US" altLang="ko-KR" dirty="0"/>
+              </a:p>
+              <a:p>
+                <a:pPr lvl="1"/>
+                <a:r>
+                  <a:rPr lang="ko-KR" altLang="en-US" dirty="0" smtClean="0"/>
+                  <a:t>임의의 점 </a:t>
+                </a:r>
+                <a:r>
+                  <a:rPr lang="en-US" altLang="ko-KR" dirty="0" smtClean="0"/>
+                  <a:t>P</a:t>
+                </a:r>
+                <a:r>
+                  <a:rPr lang="ko-KR" altLang="en-US" dirty="0" smtClean="0"/>
+                  <a:t>에 대해</a:t>
+                </a:r>
+                <a:r>
+                  <a:rPr lang="en-US" altLang="ko-KR" dirty="0" smtClean="0"/>
+                  <a:t>, </a:t>
+                </a:r>
+                <a:r>
+                  <a:rPr lang="ko-KR" altLang="en-US" dirty="0" err="1" smtClean="0"/>
+                  <a:t>점광원</a:t>
+                </a:r>
+                <a:r>
+                  <a:rPr lang="ko-KR" altLang="en-US" dirty="0" smtClean="0"/>
+                  <a:t> 위치 </a:t>
+                </a:r>
+                <a:r>
+                  <a:rPr lang="en-US" altLang="ko-KR" dirty="0" smtClean="0"/>
+                  <a:t>Q</a:t>
+                </a:r>
+                <a:r>
+                  <a:rPr lang="ko-KR" altLang="en-US" dirty="0" smtClean="0"/>
+                  <a:t>에서 나와서 </a:t>
+                </a:r>
+                <a:r>
+                  <a:rPr lang="en-US" altLang="ko-KR" dirty="0" smtClean="0"/>
+                  <a:t/>
+                </a:r>
+                <a:br>
+                  <a:rPr lang="en-US" altLang="ko-KR" dirty="0" smtClean="0"/>
+                </a:br>
+                <a:r>
+                  <a:rPr lang="ko-KR" altLang="en-US" dirty="0" smtClean="0"/>
+                  <a:t>그 점에 도달하는 하나의 광선이 존재함</a:t>
+                </a:r>
+                <a:r>
+                  <a:rPr lang="en-US" altLang="ko-KR" dirty="0" smtClean="0"/>
+                  <a:t>.</a:t>
+                </a:r>
+              </a:p>
+              <a:p>
+                <a:pPr lvl="1"/>
+                <a:r>
+                  <a:rPr lang="ko-KR" altLang="en-US" dirty="0" err="1" smtClean="0"/>
+                  <a:t>평행광과의</a:t>
+                </a:r>
+                <a:r>
+                  <a:rPr lang="ko-KR" altLang="en-US" dirty="0" smtClean="0"/>
+                  <a:t> 차이점은 빛 벡터 계산을 점마다 계산해야 함</a:t>
+                </a:r>
+                <a:r>
+                  <a:rPr lang="en-US" altLang="ko-KR" dirty="0" smtClean="0"/>
+                  <a:t>. </a:t>
+                </a:r>
+                <a:br>
+                  <a:rPr lang="en-US" altLang="ko-KR" dirty="0" smtClean="0"/>
+                </a:br>
+                <a:r>
+                  <a:rPr lang="ko-KR" altLang="en-US" dirty="0" err="1" smtClean="0"/>
+                  <a:t>평행광은</a:t>
+                </a:r>
+                <a:r>
+                  <a:rPr lang="ko-KR" altLang="en-US" dirty="0" smtClean="0"/>
+                  <a:t> 모든 점에 대해 동일한 빛 벡터 사용</a:t>
+                </a:r>
+                <a:r>
+                  <a:rPr lang="en-US" altLang="ko-KR" dirty="0" smtClean="0"/>
+                  <a:t>.</a:t>
+                </a:r>
+              </a:p>
+              <a:p>
+                <a:pPr lvl="1"/>
+                <a:r>
+                  <a:rPr lang="ko-KR" altLang="en-US" dirty="0" smtClean="0"/>
+                  <a:t>빛의 감쇠의 경우 선형 감쇠</a:t>
+                </a:r>
+                <a:r>
+                  <a:rPr lang="en-US" altLang="ko-KR" dirty="0" smtClean="0"/>
+                  <a:t>(attenuation)</a:t>
+                </a:r>
+                <a:r>
+                  <a:rPr lang="ko-KR" altLang="en-US" dirty="0" smtClean="0"/>
+                  <a:t>을 사용</a:t>
+                </a:r>
+                <a:r>
+                  <a:rPr lang="en-US" altLang="ko-KR" dirty="0" smtClean="0"/>
+                  <a:t>.</a:t>
+                </a:r>
+              </a:p>
+              <a:p>
+                <a:pPr lvl="1"/>
+                <a:endParaRPr lang="en-US" altLang="ko-KR" b="0" i="1" dirty="0" smtClean="0">
+                  <a:latin typeface="Cambria Math" panose="02040503050406030204" pitchFamily="18" charset="0"/>
+                </a:endParaRPr>
+              </a:p>
+              <a:p>
+                <a:pPr marL="393192" lvl="1" indent="0">
+                  <a:buNone/>
+                </a:pPr>
+                <a14:m>
+                  <m:oMathPara xmlns:m="http://schemas.openxmlformats.org/officeDocument/2006/math">
+                    <m:oMathParaPr>
+                      <m:jc m:val="centerGroup"/>
+                    </m:oMathParaPr>
+                    <m:oMath xmlns:m="http://schemas.openxmlformats.org/officeDocument/2006/math">
+                      <m:r>
+                        <a:rPr lang="en-US" altLang="ko-KR" b="0" i="1" smtClean="0">
+                          <a:latin typeface="Cambria Math" panose="02040503050406030204" pitchFamily="18" charset="0"/>
+                        </a:rPr>
+                        <m:t>𝑎𝑡𝑡</m:t>
+                      </m:r>
+                      <m:d>
+                        <m:dPr>
+                          <m:ctrlPr>
+                            <a:rPr lang="en-US" altLang="ko-KR" b="0" i="1" smtClean="0">
+                              <a:latin typeface="Cambria Math" panose="02040503050406030204" pitchFamily="18" charset="0"/>
+                            </a:rPr>
+                          </m:ctrlPr>
+                        </m:dPr>
+                        <m:e>
+                          <m:r>
+                            <a:rPr lang="en-US" altLang="ko-KR" b="0" i="1" smtClean="0">
+                              <a:latin typeface="Cambria Math" panose="02040503050406030204" pitchFamily="18" charset="0"/>
+                            </a:rPr>
+                            <m:t>𝑑</m:t>
+                          </m:r>
+                        </m:e>
+                      </m:d>
+                      <m:r>
+                        <a:rPr lang="en-US" altLang="ko-KR" b="0" i="1" smtClean="0">
+                          <a:latin typeface="Cambria Math" panose="02040503050406030204" pitchFamily="18" charset="0"/>
+                        </a:rPr>
+                        <m:t>=(</m:t>
+                      </m:r>
+                      <m:r>
+                        <a:rPr lang="en-US" altLang="ko-KR" b="0" i="1" smtClean="0">
+                          <a:latin typeface="Cambria Math" panose="02040503050406030204" pitchFamily="18" charset="0"/>
+                        </a:rPr>
+                        <m:t>𝑓𝑎𝑙𝑙𝑜𝑓𝑓𝐸𝑛𝑑</m:t>
+                      </m:r>
+                      <m:r>
+                        <a:rPr lang="en-US" altLang="ko-KR" b="0" i="1" smtClean="0">
+                          <a:latin typeface="Cambria Math" panose="02040503050406030204" pitchFamily="18" charset="0"/>
+                        </a:rPr>
+                        <m:t> −</m:t>
+                      </m:r>
+                      <m:r>
+                        <a:rPr lang="en-US" altLang="ko-KR" b="0" i="1" smtClean="0">
+                          <a:latin typeface="Cambria Math" panose="02040503050406030204" pitchFamily="18" charset="0"/>
+                        </a:rPr>
+                        <m:t>𝑑</m:t>
+                      </m:r>
+                      <m:r>
+                        <a:rPr lang="en-US" altLang="ko-KR" b="0" i="1" smtClean="0">
+                          <a:latin typeface="Cambria Math" panose="02040503050406030204" pitchFamily="18" charset="0"/>
+                        </a:rPr>
+                        <m:t>)/(</m:t>
+                      </m:r>
+                      <m:r>
+                        <a:rPr lang="en-US" altLang="ko-KR" b="0" i="1" smtClean="0">
+                          <a:latin typeface="Cambria Math" panose="02040503050406030204" pitchFamily="18" charset="0"/>
+                        </a:rPr>
+                        <m:t>𝑓𝑎𝑙𝑙𝑜𝑓𝑓𝐸𝑛𝑑</m:t>
+                      </m:r>
+                      <m:r>
+                        <a:rPr lang="en-US" altLang="ko-KR" b="0" i="1" smtClean="0">
+                          <a:latin typeface="Cambria Math" panose="02040503050406030204" pitchFamily="18" charset="0"/>
+                        </a:rPr>
+                        <m:t> −</m:t>
+                      </m:r>
+                      <m:r>
+                        <a:rPr lang="en-US" altLang="ko-KR" b="0" i="1" smtClean="0">
+                          <a:latin typeface="Cambria Math" panose="02040503050406030204" pitchFamily="18" charset="0"/>
+                        </a:rPr>
+                        <m:t>𝑓𝑎𝑙𝑙𝑜𝑓𝑓𝑠𝑡𝑎𝑟𝑡</m:t>
+                      </m:r>
+                      <m:r>
+                        <a:rPr lang="en-US" altLang="ko-KR" b="0" i="1" smtClean="0">
+                          <a:latin typeface="Cambria Math" panose="02040503050406030204" pitchFamily="18" charset="0"/>
+                        </a:rPr>
+                        <m:t>)</m:t>
+                      </m:r>
+                    </m:oMath>
+                  </m:oMathPara>
+                </a14:m>
+                <a:endParaRPr lang="ko-KR" altLang="en-US" dirty="0"/>
+              </a:p>
+            </p:txBody>
+          </p:sp>
+        </mc:Choice>
+        <mc:Fallback>
+          <p:sp>
+            <p:nvSpPr>
+              <p:cNvPr id="2" name="내용 개체 틀 1"/>
+              <p:cNvSpPr>
+                <a:spLocks noGrp="1" noRot="1" noChangeAspect="1" noMove="1" noResize="1" noEditPoints="1" noAdjustHandles="1" noChangeArrowheads="1" noChangeShapeType="1" noTextEdit="1"/>
+              </p:cNvSpPr>
+              <p:nvPr>
+                <p:ph idx="1"/>
+              </p:nvPr>
+            </p:nvSpPr>
+            <p:spPr>
+              <a:blipFill rotWithShape="0">
+                <a:blip r:embed="rId2"/>
+                <a:stretch>
+                  <a:fillRect t="-1053"/>
+                </a:stretch>
+              </a:blipFill>
+            </p:spPr>
+            <p:txBody>
+              <a:bodyPr/>
+              <a:lstStyle/>
+              <a:p>
+                <a:r>
+                  <a:rPr lang="ko-KR" altLang="en-US">
+                    <a:noFill/>
+                  </a:rPr>
+                  <a:t> </a:t>
+                </a:r>
+              </a:p>
+            </p:txBody>
+          </p:sp>
+        </mc:Fallback>
+      </mc:AlternateContent>
+      <p:sp>
+        <p:nvSpPr>
+          <p:cNvPr id="3" name="날짜 개체 틀 2"/>
+          <p:cNvSpPr>
+            <a:spLocks noGrp="1"/>
+          </p:cNvSpPr>
+          <p:nvPr>
+            <p:ph type="dt" sz="half" idx="10"/>
+          </p:nvPr>
+        </p:nvSpPr>
+        <p:spPr/>
+        <p:txBody>
+          <a:bodyPr/>
+          <a:lstStyle/>
+          <a:p>
+            <a:r>
+              <a:rPr lang="en-US" altLang="ko-KR" smtClean="0"/>
+              <a:t>July 27, 2017</a:t>
+            </a:r>
+            <a:endParaRPr lang="en-US" altLang="ko-KR" dirty="0"/>
+          </a:p>
+        </p:txBody>
+      </p:sp>
+      <p:sp>
+        <p:nvSpPr>
+          <p:cNvPr id="4" name="슬라이드 번호 개체 틀 3"/>
+          <p:cNvSpPr>
+            <a:spLocks noGrp="1"/>
+          </p:cNvSpPr>
+          <p:nvPr>
+            <p:ph type="sldNum" sz="quarter" idx="12"/>
+          </p:nvPr>
+        </p:nvSpPr>
+        <p:spPr/>
+        <p:txBody>
+          <a:bodyPr/>
+          <a:lstStyle/>
+          <a:p>
+            <a:fld id="{D76F9267-2D5F-45F1-BD25-FFF3434FBB3D}" type="slidenum">
+              <a:rPr lang="ko-KR" altLang="en-US" smtClean="0"/>
+              <a:pPr/>
+              <a:t>25</a:t>
+            </a:fld>
+            <a:endParaRPr lang="ko-KR" altLang="en-US"/>
+          </a:p>
+        </p:txBody>
+      </p:sp>
+      <p:sp>
+        <p:nvSpPr>
+          <p:cNvPr id="5" name="제목 4"/>
+          <p:cNvSpPr>
+            <a:spLocks noGrp="1"/>
+          </p:cNvSpPr>
+          <p:nvPr>
+            <p:ph type="title"/>
+          </p:nvPr>
+        </p:nvSpPr>
+        <p:spPr/>
+        <p:txBody>
+          <a:bodyPr>
+            <a:normAutofit fontScale="90000"/>
+          </a:bodyPr>
+          <a:lstStyle/>
+          <a:p>
+            <a:r>
+              <a:rPr lang="en-US" altLang="ko-KR" dirty="0" smtClean="0"/>
+              <a:t>Point Light(</a:t>
+            </a:r>
+            <a:r>
+              <a:rPr lang="ko-KR" altLang="en-US" dirty="0" err="1" smtClean="0"/>
+              <a:t>점광</a:t>
+            </a:r>
+            <a:r>
+              <a:rPr lang="en-US" altLang="ko-KR" dirty="0" smtClean="0"/>
+              <a:t>)</a:t>
+            </a:r>
+            <a:endParaRPr lang="ko-KR" altLang="en-US" dirty="0"/>
+          </a:p>
+        </p:txBody>
+      </p:sp>
+      <p:pic>
+        <p:nvPicPr>
+          <p:cNvPr id="6" name="그림 5"/>
+          <p:cNvPicPr>
+            <a:picLocks noChangeAspect="1"/>
+          </p:cNvPicPr>
+          <p:nvPr/>
+        </p:nvPicPr>
+        <p:blipFill>
+          <a:blip r:embed="rId3"/>
+          <a:stretch>
+            <a:fillRect/>
+          </a:stretch>
+        </p:blipFill>
+        <p:spPr>
+          <a:xfrm>
+            <a:off x="5180550" y="836712"/>
+            <a:ext cx="3205744" cy="1929383"/>
+          </a:xfrm>
+          <a:prstGeom prst="rect">
+            <a:avLst/>
+          </a:prstGeom>
+        </p:spPr>
+      </p:pic>
+      <p:sp>
+        <p:nvSpPr>
+          <p:cNvPr id="7" name="TextBox 6"/>
+          <p:cNvSpPr txBox="1"/>
+          <p:nvPr/>
+        </p:nvSpPr>
+        <p:spPr>
+          <a:xfrm>
+            <a:off x="5259980" y="2840807"/>
+            <a:ext cx="1281120" cy="276999"/>
+          </a:xfrm>
+          <a:prstGeom prst="rect">
+            <a:avLst/>
+          </a:prstGeom>
+          <a:noFill/>
+        </p:spPr>
+        <p:txBody>
+          <a:bodyPr wrap="none" rtlCol="0">
+            <a:spAutoFit/>
+          </a:bodyPr>
+          <a:lstStyle/>
+          <a:p>
+            <a:r>
+              <a:rPr lang="ko-KR" altLang="en-US" sz="1200" dirty="0" smtClean="0"/>
+              <a:t>그림</a:t>
+            </a:r>
+            <a:r>
+              <a:rPr lang="en-US" altLang="ko-KR" sz="1200" dirty="0" smtClean="0"/>
+              <a:t>19-1) </a:t>
+            </a:r>
+            <a:r>
+              <a:rPr lang="ko-KR" altLang="en-US" sz="1200" dirty="0" smtClean="0"/>
+              <a:t>전구</a:t>
+            </a:r>
+            <a:endParaRPr lang="ko-KR" altLang="en-US" sz="1200" dirty="0"/>
+          </a:p>
+        </p:txBody>
+      </p:sp>
+    </p:spTree>
+    <p:extLst>
+      <p:ext uri="{BB962C8B-B14F-4D97-AF65-F5344CB8AC3E}">
+        <p14:creationId xmlns:p14="http://schemas.microsoft.com/office/powerpoint/2010/main" val="2043033227"/>
+      </p:ext>
+    </p:extLst>
+  </p:cSld>
+  <p:clrMapOvr>
+    <a:masterClrMapping/>
+  </p:clrMapOvr>
+</p:sld>
+</file>
+
+<file path=ppt/slides/slide26.xml><?xml version="1.0" encoding="utf-8"?>
+<p:sld xmlns:a="http://schemas.openxmlformats.org/drawingml/2006/main" xmlns:r="http://schemas.openxmlformats.org/officeDocument/2006/relationships" xmlns:p="http://schemas.openxmlformats.org/presentationml/2006/main">
+  <p:cSld>
+    <p:spTree>
+      <p:nvGrpSpPr>
+        <p:cNvPr id="1" name=""/>
+        <p:cNvGrpSpPr/>
+        <p:nvPr/>
+      </p:nvGrpSpPr>
+      <p:grpSpPr>
+        <a:xfrm>
+          <a:off x="0" y="0"/>
+          <a:ext cx="0" cy="0"/>
+          <a:chOff x="0" y="0"/>
+          <a:chExt cx="0" cy="0"/>
+        </a:xfrm>
+      </p:grpSpPr>
+      <mc:AlternateContent xmlns:mc="http://schemas.openxmlformats.org/markup-compatibility/2006">
+        <mc:Choice xmlns:a14="http://schemas.microsoft.com/office/drawing/2010/main" Requires="a14">
+          <p:sp>
+            <p:nvSpPr>
+              <p:cNvPr id="2" name="내용 개체 틀 1"/>
+              <p:cNvSpPr>
+                <a:spLocks noGrp="1"/>
+              </p:cNvSpPr>
+              <p:nvPr>
+                <p:ph idx="1"/>
+              </p:nvPr>
+            </p:nvSpPr>
+            <p:spPr/>
+            <p:txBody>
+              <a:bodyPr/>
+              <a:lstStyle/>
+              <a:p>
+                <a:r>
+                  <a:rPr lang="ko-KR" altLang="en-US" dirty="0" err="1" smtClean="0"/>
+                  <a:t>점적광</a:t>
+                </a:r>
+                <a:endParaRPr lang="en-US" altLang="ko-KR" dirty="0" smtClean="0"/>
+              </a:p>
+              <a:p>
+                <a:pPr lvl="1"/>
+                <a:r>
+                  <a:rPr lang="ko-KR" altLang="en-US" dirty="0" smtClean="0"/>
+                  <a:t>위치</a:t>
+                </a:r>
+                <a:r>
+                  <a:rPr lang="en-US" altLang="ko-KR" dirty="0" smtClean="0"/>
+                  <a:t>Q</a:t>
+                </a:r>
+                <a:r>
+                  <a:rPr lang="ko-KR" altLang="en-US" dirty="0" smtClean="0"/>
+                  <a:t>에서 </a:t>
+                </a:r>
+                <a:r>
+                  <a:rPr lang="en-US" altLang="ko-KR" dirty="0" smtClean="0"/>
+                  <a:t>d</a:t>
+                </a:r>
+                <a:r>
+                  <a:rPr lang="ko-KR" altLang="en-US" dirty="0" smtClean="0"/>
+                  <a:t>방향으로 뻗어 나가는 원뿔 형태의 빛임</a:t>
+                </a:r>
+                <a:r>
+                  <a:rPr lang="en-US" altLang="ko-KR" dirty="0" smtClean="0"/>
+                  <a:t>.</a:t>
+                </a:r>
+                <a:br>
+                  <a:rPr lang="en-US" altLang="ko-KR" dirty="0" smtClean="0"/>
+                </a:br>
+                <a:r>
+                  <a:rPr lang="en-US" altLang="ko-KR" dirty="0" smtClean="0"/>
+                  <a:t>EX) </a:t>
+                </a:r>
+                <a:r>
+                  <a:rPr lang="ko-KR" altLang="en-US" dirty="0" smtClean="0"/>
+                  <a:t>손전등</a:t>
+                </a:r>
+                <a:endParaRPr lang="en-US" altLang="ko-KR" dirty="0" smtClean="0"/>
+              </a:p>
+              <a:p>
+                <a:pPr lvl="1"/>
+                <a:endParaRPr lang="en-US" altLang="ko-KR" dirty="0"/>
+              </a:p>
+              <a:p>
+                <a:pPr lvl="1"/>
+                <a:endParaRPr lang="en-US" altLang="ko-KR" dirty="0" smtClean="0"/>
+              </a:p>
+              <a:p>
+                <a:pPr lvl="1"/>
+                <a:endParaRPr lang="en-US" altLang="ko-KR" dirty="0"/>
+              </a:p>
+              <a:p>
+                <a:pPr lvl="1"/>
+                <a:endParaRPr lang="en-US" altLang="ko-KR" dirty="0" smtClean="0"/>
+              </a:p>
+              <a:p>
+                <a:pPr lvl="1"/>
+                <a:endParaRPr lang="en-US" altLang="ko-KR" dirty="0"/>
+              </a:p>
+              <a:p>
+                <a:pPr lvl="1"/>
+                <a:endParaRPr lang="en-US" altLang="ko-KR" dirty="0" smtClean="0"/>
+              </a:p>
+              <a:p>
+                <a:pPr lvl="1"/>
+                <a14:m>
+                  <m:oMath xmlns:m="http://schemas.openxmlformats.org/officeDocument/2006/math">
+                    <m:r>
+                      <a:rPr lang="ko-KR" altLang="en-US" i="1" smtClean="0">
+                        <a:latin typeface="Cambria Math" panose="02040503050406030204" pitchFamily="18" charset="0"/>
+                      </a:rPr>
+                      <m:t>𝜙</m:t>
+                    </m:r>
+                    <m:r>
+                      <a:rPr lang="ko-KR" altLang="en-US" i="1">
+                        <a:latin typeface="Cambria Math" panose="02040503050406030204" pitchFamily="18" charset="0"/>
+                      </a:rPr>
+                      <m:t>가</m:t>
+                    </m:r>
+                  </m:oMath>
+                </a14:m>
+                <a:r>
+                  <a:rPr lang="ko-KR" altLang="en-US" dirty="0" smtClean="0"/>
+                  <a:t> </a:t>
+                </a:r>
+                <a:r>
+                  <a:rPr lang="en-US" altLang="ko-KR" dirty="0" smtClean="0"/>
+                  <a:t>0</a:t>
+                </a:r>
+                <a:r>
+                  <a:rPr lang="ko-KR" altLang="en-US" dirty="0" smtClean="0"/>
+                  <a:t>으로 갈수록 빛의 세기는 </a:t>
+                </a:r>
+                <a:r>
+                  <a:rPr lang="en-US" altLang="ko-KR" dirty="0" smtClean="0"/>
+                  <a:t>0</a:t>
+                </a:r>
+                <a:r>
+                  <a:rPr lang="ko-KR" altLang="en-US" dirty="0" smtClean="0"/>
+                  <a:t>으로 감소하고</a:t>
+                </a:r>
+                <a:r>
+                  <a:rPr lang="en-US" altLang="ko-KR" dirty="0" smtClean="0"/>
+                  <a:t/>
+                </a:r>
+                <a:br>
+                  <a:rPr lang="en-US" altLang="ko-KR" dirty="0" smtClean="0"/>
+                </a:br>
+                <a:r>
+                  <a:rPr lang="en-US" altLang="ko-KR" dirty="0" smtClean="0"/>
+                  <a:t>max</a:t>
+                </a:r>
+                <a:r>
+                  <a:rPr lang="ko-KR" altLang="en-US" dirty="0" smtClean="0"/>
+                  <a:t>로 갈수록 빛의 세기는 증가</a:t>
+                </a:r>
+                <a:r>
+                  <a:rPr lang="en-US" altLang="ko-KR" dirty="0" smtClean="0"/>
+                  <a:t>.</a:t>
+                </a:r>
+              </a:p>
+              <a:p>
+                <a:pPr lvl="1"/>
+                <a:r>
+                  <a:rPr lang="ko-KR" altLang="en-US" dirty="0" err="1" smtClean="0"/>
+                  <a:t>점적광</a:t>
+                </a:r>
+                <a:r>
+                  <a:rPr lang="ko-KR" altLang="en-US" dirty="0" smtClean="0"/>
+                  <a:t> 함수</a:t>
+                </a:r>
+                <a:endParaRPr lang="en-US" altLang="ko-KR" dirty="0" smtClean="0"/>
+              </a:p>
+              <a:p>
+                <a:pPr marL="393192" lvl="1" indent="0">
+                  <a:buNone/>
+                </a:pPr>
+                <a:r>
+                  <a:rPr lang="en-US" altLang="ko-KR" dirty="0" smtClean="0">
+                    <a:sym typeface="Wingdings" panose="05000000000000000000" pitchFamily="2" charset="2"/>
+                  </a:rPr>
+                  <a:t></a:t>
+                </a:r>
+                <a:endParaRPr lang="ko-KR" altLang="en-US" dirty="0"/>
+              </a:p>
+            </p:txBody>
+          </p:sp>
+        </mc:Choice>
+        <mc:Fallback>
+          <p:sp>
+            <p:nvSpPr>
+              <p:cNvPr id="2" name="내용 개체 틀 1"/>
+              <p:cNvSpPr>
+                <a:spLocks noGrp="1" noRot="1" noChangeAspect="1" noMove="1" noResize="1" noEditPoints="1" noAdjustHandles="1" noChangeArrowheads="1" noChangeShapeType="1" noTextEdit="1"/>
+              </p:cNvSpPr>
+              <p:nvPr>
+                <p:ph idx="1"/>
+              </p:nvPr>
+            </p:nvSpPr>
+            <p:spPr>
+              <a:blipFill rotWithShape="0">
+                <a:blip r:embed="rId2"/>
+                <a:stretch>
+                  <a:fillRect t="-1053"/>
+                </a:stretch>
+              </a:blipFill>
+            </p:spPr>
+            <p:txBody>
+              <a:bodyPr/>
+              <a:lstStyle/>
+              <a:p>
+                <a:r>
+                  <a:rPr lang="ko-KR" altLang="en-US">
+                    <a:noFill/>
+                  </a:rPr>
+                  <a:t> </a:t>
+                </a:r>
+              </a:p>
+            </p:txBody>
+          </p:sp>
+        </mc:Fallback>
+      </mc:AlternateContent>
+      <p:sp>
+        <p:nvSpPr>
+          <p:cNvPr id="3" name="날짜 개체 틀 2"/>
+          <p:cNvSpPr>
+            <a:spLocks noGrp="1"/>
+          </p:cNvSpPr>
+          <p:nvPr>
+            <p:ph type="dt" sz="half" idx="10"/>
+          </p:nvPr>
+        </p:nvSpPr>
+        <p:spPr/>
+        <p:txBody>
+          <a:bodyPr/>
+          <a:lstStyle/>
+          <a:p>
+            <a:r>
+              <a:rPr lang="en-US" altLang="ko-KR" smtClean="0"/>
+              <a:t>July 27, 2017</a:t>
+            </a:r>
+            <a:endParaRPr lang="en-US" altLang="ko-KR" dirty="0"/>
+          </a:p>
+        </p:txBody>
+      </p:sp>
+      <p:sp>
+        <p:nvSpPr>
+          <p:cNvPr id="4" name="슬라이드 번호 개체 틀 3"/>
+          <p:cNvSpPr>
+            <a:spLocks noGrp="1"/>
+          </p:cNvSpPr>
+          <p:nvPr>
+            <p:ph type="sldNum" sz="quarter" idx="12"/>
+          </p:nvPr>
+        </p:nvSpPr>
+        <p:spPr/>
+        <p:txBody>
+          <a:bodyPr/>
+          <a:lstStyle/>
+          <a:p>
+            <a:fld id="{D76F9267-2D5F-45F1-BD25-FFF3434FBB3D}" type="slidenum">
+              <a:rPr lang="ko-KR" altLang="en-US" smtClean="0"/>
+              <a:pPr/>
+              <a:t>26</a:t>
+            </a:fld>
+            <a:endParaRPr lang="ko-KR" altLang="en-US"/>
+          </a:p>
+        </p:txBody>
+      </p:sp>
+      <p:sp>
+        <p:nvSpPr>
+          <p:cNvPr id="5" name="제목 4"/>
+          <p:cNvSpPr>
+            <a:spLocks noGrp="1"/>
+          </p:cNvSpPr>
+          <p:nvPr>
+            <p:ph type="title"/>
+          </p:nvPr>
+        </p:nvSpPr>
+        <p:spPr/>
+        <p:txBody>
+          <a:bodyPr>
+            <a:normAutofit fontScale="90000"/>
+          </a:bodyPr>
+          <a:lstStyle/>
+          <a:p>
+            <a:r>
+              <a:rPr lang="en-US" altLang="ko-KR" dirty="0" smtClean="0"/>
+              <a:t>Spot Light(</a:t>
+            </a:r>
+            <a:r>
+              <a:rPr lang="ko-KR" altLang="en-US" dirty="0" err="1" smtClean="0"/>
+              <a:t>점적광</a:t>
+            </a:r>
+            <a:r>
+              <a:rPr lang="en-US" altLang="ko-KR" dirty="0" smtClean="0"/>
+              <a:t>)</a:t>
+            </a:r>
+            <a:endParaRPr lang="ko-KR" altLang="en-US" dirty="0"/>
+          </a:p>
+        </p:txBody>
+      </p:sp>
+      <p:pic>
+        <p:nvPicPr>
+          <p:cNvPr id="6" name="그림 5"/>
+          <p:cNvPicPr>
+            <a:picLocks noChangeAspect="1"/>
+          </p:cNvPicPr>
+          <p:nvPr/>
+        </p:nvPicPr>
+        <p:blipFill>
+          <a:blip r:embed="rId3"/>
+          <a:stretch>
+            <a:fillRect/>
+          </a:stretch>
+        </p:blipFill>
+        <p:spPr>
+          <a:xfrm>
+            <a:off x="2138945" y="1988840"/>
+            <a:ext cx="4789909" cy="1923333"/>
+          </a:xfrm>
+          <a:prstGeom prst="rect">
+            <a:avLst/>
+          </a:prstGeom>
+        </p:spPr>
+      </p:pic>
+      <p:sp>
+        <p:nvSpPr>
+          <p:cNvPr id="7" name="TextBox 6"/>
+          <p:cNvSpPr txBox="1"/>
+          <p:nvPr/>
+        </p:nvSpPr>
+        <p:spPr>
+          <a:xfrm>
+            <a:off x="3893339" y="3957270"/>
+            <a:ext cx="1435008" cy="276999"/>
+          </a:xfrm>
+          <a:prstGeom prst="rect">
+            <a:avLst/>
+          </a:prstGeom>
+          <a:noFill/>
+        </p:spPr>
+        <p:txBody>
+          <a:bodyPr wrap="none" rtlCol="0">
+            <a:spAutoFit/>
+          </a:bodyPr>
+          <a:lstStyle/>
+          <a:p>
+            <a:r>
+              <a:rPr lang="ko-KR" altLang="en-US" sz="1200" dirty="0" smtClean="0"/>
+              <a:t>그림</a:t>
+            </a:r>
+            <a:r>
+              <a:rPr lang="en-US" altLang="ko-KR" sz="1200" dirty="0" smtClean="0"/>
+              <a:t>20-1) </a:t>
+            </a:r>
+            <a:r>
+              <a:rPr lang="ko-KR" altLang="en-US" sz="1200" dirty="0" err="1" smtClean="0"/>
+              <a:t>점적광</a:t>
+            </a:r>
+            <a:endParaRPr lang="ko-KR" altLang="en-US" sz="1200" dirty="0"/>
+          </a:p>
+        </p:txBody>
+      </p:sp>
+      <p:pic>
+        <p:nvPicPr>
+          <p:cNvPr id="8" name="그림 7"/>
+          <p:cNvPicPr>
+            <a:picLocks noChangeAspect="1"/>
+          </p:cNvPicPr>
+          <p:nvPr/>
+        </p:nvPicPr>
+        <p:blipFill>
+          <a:blip r:embed="rId4"/>
+          <a:stretch>
+            <a:fillRect/>
+          </a:stretch>
+        </p:blipFill>
+        <p:spPr>
+          <a:xfrm>
+            <a:off x="884646" y="5589240"/>
+            <a:ext cx="4377328" cy="504056"/>
+          </a:xfrm>
+          <a:prstGeom prst="rect">
+            <a:avLst/>
+          </a:prstGeom>
+        </p:spPr>
+      </p:pic>
+    </p:spTree>
+    <p:extLst>
+      <p:ext uri="{BB962C8B-B14F-4D97-AF65-F5344CB8AC3E}">
+        <p14:creationId xmlns:p14="http://schemas.microsoft.com/office/powerpoint/2010/main" val="4208688134"/>
+      </p:ext>
+    </p:extLst>
+  </p:cSld>
+  <p:clrMapOvr>
+    <a:masterClrMapping/>
+  </p:clrMapOvr>
+</p:sld>
+</file>
+
+<file path=ppt/slides/slide27.xml><?xml version="1.0" encoding="utf-8"?>
 <p:sld xmlns:a="http://schemas.openxmlformats.org/drawingml/2006/main" xmlns:r="http://schemas.openxmlformats.org/officeDocument/2006/relationships" xmlns:p="http://schemas.openxmlformats.org/presentationml/2006/main">
   <p:cSld>
     <p:spTree>
@@ -11460,7 +14389,7 @@
             <a:fld id="{D76F9267-2D5F-45F1-BD25-FFF3434FBB3D}" type="slidenum">
               <a:rPr lang="ko-KR" altLang="en-US" smtClean="0"/>
               <a:pPr/>
-              <a:t>22</a:t>
+              <a:t>27</a:t>
             </a:fld>
             <a:endParaRPr lang="ko-KR" altLang="en-US"/>
           </a:p>
@@ -11474,7 +14403,7 @@
 </p:sld>
 </file>
 
-<file path=ppt/slides/slide23.xml><?xml version="1.0" encoding="utf-8"?>
+<file path=ppt/slides/slide28.xml><?xml version="1.0" encoding="utf-8"?>
 <p:sld xmlns:a="http://schemas.openxmlformats.org/drawingml/2006/main" xmlns:r="http://schemas.openxmlformats.org/officeDocument/2006/relationships" xmlns:p="http://schemas.openxmlformats.org/presentationml/2006/main">
   <p:cSld>
     <p:spTree>
@@ -11578,7 +14507,7 @@
             <a:fld id="{D76F9267-2D5F-45F1-BD25-FFF3434FBB3D}" type="slidenum">
               <a:rPr lang="ko-KR" altLang="en-US" smtClean="0"/>
               <a:pPr/>
-              <a:t>23</a:t>
+              <a:t>28</a:t>
             </a:fld>
             <a:endParaRPr lang="ko-KR" altLang="en-US"/>
           </a:p>
@@ -12565,11 +15494,7 @@
           <a:p>
             <a:r>
               <a:rPr lang="ko-KR" altLang="en-US" dirty="0" smtClean="0"/>
-              <a:t>법선 </a:t>
-            </a:r>
-            <a:r>
-              <a:rPr lang="ko-KR" altLang="en-US" dirty="0" smtClean="0"/>
-              <a:t>벡터 </a:t>
+              <a:t>법선 벡터 </a:t>
             </a:r>
             <a:r>
               <a:rPr lang="en-US" altLang="ko-KR" dirty="0" smtClean="0"/>
@@ -12974,13 +15899,7 @@
               <a:rPr lang="ko-KR" altLang="en-US" dirty="0" err="1" smtClean="0">
                 <a:sym typeface="Wingdings" panose="05000000000000000000" pitchFamily="2" charset="2"/>
               </a:rPr>
-              <a:t>퀄리티</a:t>
-            </a:r>
-            <a:r>
-              <a:rPr lang="ko-KR" altLang="en-US" dirty="0" err="1" smtClean="0">
-                <a:sym typeface="Wingdings" panose="05000000000000000000" pitchFamily="2" charset="2"/>
-              </a:rPr>
-              <a:t>가</a:t>
+              <a:t>퀄리티가</a:t>
             </a:r>
             <a:r>
               <a:rPr lang="ko-KR" altLang="en-US" dirty="0" smtClean="0">
@@ -13178,8 +16097,8 @@
           <a:chExt cx="0" cy="0"/>
         </a:xfrm>
       </p:grpSpPr>
-      <mc:AlternateContent xmlns:mc="http://schemas.openxmlformats.org/markup-compatibility/2006">
-        <mc:Choice xmlns:a14="http://schemas.microsoft.com/office/drawing/2010/main" Requires="a14">
+      <mc:AlternateContent xmlns:mc="http://schemas.openxmlformats.org/markup-compatibility/2006" xmlns:a14="http://schemas.microsoft.com/office/drawing/2010/main">
+        <mc:Choice Requires="a14">
           <p:sp>
             <p:nvSpPr>
               <p:cNvPr id="2" name="내용 개체 틀 1"/>
@@ -13569,7 +16488,7 @@
             </p:txBody>
           </p:sp>
         </mc:Choice>
-        <mc:Fallback>
+        <mc:Fallback xmlns="">
           <p:sp>
             <p:nvSpPr>
               <p:cNvPr id="2" name="내용 개체 틀 1"/>
@@ -13771,8 +16690,8 @@
           </a:fontRef>
         </p:style>
       </p:cxnSp>
-      <mc:AlternateContent xmlns:mc="http://schemas.openxmlformats.org/markup-compatibility/2006">
-        <mc:Choice xmlns:a14="http://schemas.microsoft.com/office/drawing/2010/main" Requires="a14">
+      <mc:AlternateContent xmlns:mc="http://schemas.openxmlformats.org/markup-compatibility/2006" xmlns:a14="http://schemas.microsoft.com/office/drawing/2010/main">
+        <mc:Choice Requires="a14">
           <p:sp>
             <p:nvSpPr>
               <p:cNvPr id="10" name="TextBox 9"/>
@@ -13795,6 +16714,7 @@
               </a:bodyPr>
               <a:lstStyle/>
               <a:p>
+                <a:pPr/>
                 <a14:m>
                   <m:oMathPara xmlns:m="http://schemas.openxmlformats.org/officeDocument/2006/math">
                     <m:oMathParaPr>
@@ -13834,7 +16754,7 @@
             </p:txBody>
           </p:sp>
         </mc:Choice>
-        <mc:Fallback>
+        <mc:Fallback xmlns="">
           <p:sp>
             <p:nvSpPr>
               <p:cNvPr id="10" name="TextBox 9"/>
@@ -13873,8 +16793,8 @@
           </p:sp>
         </mc:Fallback>
       </mc:AlternateContent>
-      <mc:AlternateContent xmlns:mc="http://schemas.openxmlformats.org/markup-compatibility/2006">
-        <mc:Choice xmlns:a14="http://schemas.microsoft.com/office/drawing/2010/main" Requires="a14">
+      <mc:AlternateContent xmlns:mc="http://schemas.openxmlformats.org/markup-compatibility/2006" xmlns:a14="http://schemas.microsoft.com/office/drawing/2010/main">
+        <mc:Choice Requires="a14">
           <p:sp>
             <p:nvSpPr>
               <p:cNvPr id="11" name="TextBox 10"/>
@@ -13897,6 +16817,7 @@
               </a:bodyPr>
               <a:lstStyle/>
               <a:p>
+                <a:pPr/>
                 <a14:m>
                   <m:oMathPara xmlns:m="http://schemas.openxmlformats.org/officeDocument/2006/math">
                     <m:oMathParaPr>
@@ -13936,7 +16857,7 @@
             </p:txBody>
           </p:sp>
         </mc:Choice>
-        <mc:Fallback>
+        <mc:Fallback xmlns="">
           <p:sp>
             <p:nvSpPr>
               <p:cNvPr id="11" name="TextBox 10"/>
@@ -13975,8 +16896,8 @@
           </p:sp>
         </mc:Fallback>
       </mc:AlternateContent>
-      <mc:AlternateContent xmlns:mc="http://schemas.openxmlformats.org/markup-compatibility/2006">
-        <mc:Choice xmlns:a14="http://schemas.microsoft.com/office/drawing/2010/main" Requires="a14">
+      <mc:AlternateContent xmlns:mc="http://schemas.openxmlformats.org/markup-compatibility/2006" xmlns:a14="http://schemas.microsoft.com/office/drawing/2010/main">
+        <mc:Choice Requires="a14">
           <p:sp>
             <p:nvSpPr>
               <p:cNvPr id="12" name="TextBox 11"/>
@@ -13999,6 +16920,7 @@
               </a:bodyPr>
               <a:lstStyle/>
               <a:p>
+                <a:pPr/>
                 <a14:m>
                   <m:oMathPara xmlns:m="http://schemas.openxmlformats.org/officeDocument/2006/math">
                     <m:oMathParaPr>
@@ -14038,7 +16960,7 @@
             </p:txBody>
           </p:sp>
         </mc:Choice>
-        <mc:Fallback>
+        <mc:Fallback xmlns="">
           <p:sp>
             <p:nvSpPr>
               <p:cNvPr id="12" name="TextBox 11"/>
@@ -14115,8 +17037,8 @@
           </a:p>
         </p:txBody>
       </p:sp>
-      <mc:AlternateContent xmlns:mc="http://schemas.openxmlformats.org/markup-compatibility/2006">
-        <mc:Choice xmlns:a14="http://schemas.microsoft.com/office/drawing/2010/main" Requires="a14">
+      <mc:AlternateContent xmlns:mc="http://schemas.openxmlformats.org/markup-compatibility/2006" xmlns:a14="http://schemas.microsoft.com/office/drawing/2010/main">
+        <mc:Choice Requires="a14">
           <p:sp>
             <p:nvSpPr>
               <p:cNvPr id="14" name="TextBox 13"/>
@@ -14139,6 +17061,7 @@
               </a:bodyPr>
               <a:lstStyle/>
               <a:p>
+                <a:pPr/>
                 <a14:m>
                   <m:oMathPara xmlns:m="http://schemas.openxmlformats.org/officeDocument/2006/math">
                     <m:oMathParaPr>
@@ -14166,7 +17089,7 @@
             </p:txBody>
           </p:sp>
         </mc:Choice>
-        <mc:Fallback>
+        <mc:Fallback xmlns="">
           <p:sp>
             <p:nvSpPr>
               <p:cNvPr id="14" name="TextBox 13"/>
@@ -14287,11 +17210,7 @@
             </a:r>
             <a:r>
               <a:rPr lang="ko-KR" altLang="en-US" dirty="0" err="1" smtClean="0"/>
-              <a:t>메시</a:t>
-            </a:r>
-            <a:r>
-              <a:rPr lang="ko-KR" altLang="en-US" dirty="0" err="1" smtClean="0"/>
-              <a:t>의</a:t>
+              <a:t>메시의</a:t>
             </a:r>
             <a:r>
               <a:rPr lang="ko-KR" altLang="en-US" dirty="0" smtClean="0"/>
